--- a/vlaisavljevich/images/research/Figure Archive/Figures2016.pptx
+++ b/vlaisavljevich/images/research/Figure Archive/Figures2016.pptx
@@ -5,11 +5,13 @@
     <p:sldMasterId id="2147483648" r:id="rId1"/>
   </p:sldMasterIdLst>
   <p:sldIdLst>
-    <p:sldId id="256" r:id="rId2"/>
-    <p:sldId id="258" r:id="rId3"/>
+    <p:sldId id="262" r:id="rId2"/>
+    <p:sldId id="263" r:id="rId3"/>
     <p:sldId id="257" r:id="rId4"/>
-    <p:sldId id="259" r:id="rId5"/>
-    <p:sldId id="260" r:id="rId6"/>
+    <p:sldId id="258" r:id="rId5"/>
+    <p:sldId id="261" r:id="rId6"/>
+    <p:sldId id="259" r:id="rId7"/>
+    <p:sldId id="264" r:id="rId8"/>
   </p:sldIdLst>
   <p:sldSz cx="9144000" cy="6858000" type="screen4x3"/>
   <p:notesSz cx="6858000" cy="9144000"/>
@@ -292,7 +294,7 @@
           <a:p>
             <a:fld id="{A85E75D4-8760-8A4A-B886-06D71180A02B}" type="datetimeFigureOut">
               <a:rPr lang="en-US" smtClean="0"/>
-              <a:t>2/10/16</a:t>
+              <a:t>7/21/16</a:t>
             </a:fld>
             <a:endParaRPr lang="en-US"/>
           </a:p>
@@ -462,7 +464,7 @@
           <a:p>
             <a:fld id="{A85E75D4-8760-8A4A-B886-06D71180A02B}" type="datetimeFigureOut">
               <a:rPr lang="en-US" smtClean="0"/>
-              <a:t>2/10/16</a:t>
+              <a:t>7/21/16</a:t>
             </a:fld>
             <a:endParaRPr lang="en-US"/>
           </a:p>
@@ -642,7 +644,7 @@
           <a:p>
             <a:fld id="{A85E75D4-8760-8A4A-B886-06D71180A02B}" type="datetimeFigureOut">
               <a:rPr lang="en-US" smtClean="0"/>
-              <a:t>2/10/16</a:t>
+              <a:t>7/21/16</a:t>
             </a:fld>
             <a:endParaRPr lang="en-US"/>
           </a:p>
@@ -812,7 +814,7 @@
           <a:p>
             <a:fld id="{A85E75D4-8760-8A4A-B886-06D71180A02B}" type="datetimeFigureOut">
               <a:rPr lang="en-US" smtClean="0"/>
-              <a:t>2/10/16</a:t>
+              <a:t>7/21/16</a:t>
             </a:fld>
             <a:endParaRPr lang="en-US"/>
           </a:p>
@@ -1058,7 +1060,7 @@
           <a:p>
             <a:fld id="{A85E75D4-8760-8A4A-B886-06D71180A02B}" type="datetimeFigureOut">
               <a:rPr lang="en-US" smtClean="0"/>
-              <a:t>2/10/16</a:t>
+              <a:t>7/21/16</a:t>
             </a:fld>
             <a:endParaRPr lang="en-US"/>
           </a:p>
@@ -1346,7 +1348,7 @@
           <a:p>
             <a:fld id="{A85E75D4-8760-8A4A-B886-06D71180A02B}" type="datetimeFigureOut">
               <a:rPr lang="en-US" smtClean="0"/>
-              <a:t>2/10/16</a:t>
+              <a:t>7/21/16</a:t>
             </a:fld>
             <a:endParaRPr lang="en-US"/>
           </a:p>
@@ -1768,7 +1770,7 @@
           <a:p>
             <a:fld id="{A85E75D4-8760-8A4A-B886-06D71180A02B}" type="datetimeFigureOut">
               <a:rPr lang="en-US" smtClean="0"/>
-              <a:t>2/10/16</a:t>
+              <a:t>7/21/16</a:t>
             </a:fld>
             <a:endParaRPr lang="en-US"/>
           </a:p>
@@ -1886,7 +1888,7 @@
           <a:p>
             <a:fld id="{A85E75D4-8760-8A4A-B886-06D71180A02B}" type="datetimeFigureOut">
               <a:rPr lang="en-US" smtClean="0"/>
-              <a:t>2/10/16</a:t>
+              <a:t>7/21/16</a:t>
             </a:fld>
             <a:endParaRPr lang="en-US"/>
           </a:p>
@@ -1981,7 +1983,7 @@
           <a:p>
             <a:fld id="{A85E75D4-8760-8A4A-B886-06D71180A02B}" type="datetimeFigureOut">
               <a:rPr lang="en-US" smtClean="0"/>
-              <a:t>2/10/16</a:t>
+              <a:t>7/21/16</a:t>
             </a:fld>
             <a:endParaRPr lang="en-US"/>
           </a:p>
@@ -2258,7 +2260,7 @@
           <a:p>
             <a:fld id="{A85E75D4-8760-8A4A-B886-06D71180A02B}" type="datetimeFigureOut">
               <a:rPr lang="en-US" smtClean="0"/>
-              <a:t>2/10/16</a:t>
+              <a:t>7/21/16</a:t>
             </a:fld>
             <a:endParaRPr lang="en-US"/>
           </a:p>
@@ -2511,7 +2513,7 @@
           <a:p>
             <a:fld id="{A85E75D4-8760-8A4A-B886-06D71180A02B}" type="datetimeFigureOut">
               <a:rPr lang="en-US" smtClean="0"/>
-              <a:t>2/10/16</a:t>
+              <a:t>7/21/16</a:t>
             </a:fld>
             <a:endParaRPr lang="en-US"/>
           </a:p>
@@ -2724,7 +2726,7 @@
           <a:p>
             <a:fld id="{A85E75D4-8760-8A4A-B886-06D71180A02B}" type="datetimeFigureOut">
               <a:rPr lang="en-US" smtClean="0"/>
-              <a:t>2/10/16</a:t>
+              <a:t>7/21/16</a:t>
             </a:fld>
             <a:endParaRPr lang="en-US"/>
           </a:p>
@@ -3101,7 +3103,7 @@
       </p:grpSpPr>
       <p:pic>
         <p:nvPicPr>
-          <p:cNvPr id="21" name="Picture 20" descr="cluster_cu6.tga"/>
+          <p:cNvPr id="5" name="Picture 4" descr="uiowhole.tga"/>
           <p:cNvPicPr>
             <a:picLocks noChangeAspect="1"/>
           </p:cNvPicPr>
@@ -3115,17 +3117,48 @@
               </a:ext>
             </a:extLst>
           </a:blip>
-          <a:srcRect l="20476" t="19259" r="20489" b="18333"/>
+          <a:srcRect l="24622" t="15921" r="23514" b="26067"/>
           <a:stretch/>
         </p:blipFill>
         <p:spPr>
           <a:xfrm>
-            <a:off x="2589654" y="1441532"/>
-            <a:ext cx="1870851" cy="1596144"/>
+            <a:off x="5881667" y="2673900"/>
+            <a:ext cx="1870851" cy="1598369"/>
           </a:xfrm>
           <a:prstGeom prst="rect">
             <a:avLst/>
           </a:prstGeom>
+          <a:ln w="9525" cmpd="sng">
+            <a:solidFill>
+              <a:schemeClr val="tx1"/>
+            </a:solidFill>
+          </a:ln>
+          <a:effectLst>
+            <a:outerShdw blurRad="50800" dist="38100" dir="2700000" algn="tl" rotWithShape="0">
+              <a:prstClr val="black">
+                <a:alpha val="40000"/>
+              </a:prstClr>
+            </a:outerShdw>
+          </a:effectLst>
+        </p:spPr>
+      </p:pic>
+      <p:sp>
+        <p:nvSpPr>
+          <p:cNvPr id="4" name="Rectangle 3"/>
+          <p:cNvSpPr/>
+          <p:nvPr/>
+        </p:nvSpPr>
+        <p:spPr>
+          <a:xfrm>
+            <a:off x="1772903" y="2673737"/>
+            <a:ext cx="1870851" cy="1595982"/>
+          </a:xfrm>
+          <a:prstGeom prst="rect">
+            <a:avLst/>
+          </a:prstGeom>
+          <a:solidFill>
+            <a:schemeClr val="bg1"/>
+          </a:solidFill>
           <a:ln>
             <a:solidFill>
               <a:srgbClr val="000000"/>
@@ -3139,63 +3172,198 @@
             </a:outerShdw>
           </a:effectLst>
         </p:spPr>
-      </p:pic>
-      <p:pic>
-        <p:nvPicPr>
-          <p:cNvPr id="20" name="Picture 19" descr="GdMOF.tga"/>
-          <p:cNvPicPr>
-            <a:picLocks noChangeAspect="1"/>
-          </p:cNvPicPr>
-          <p:nvPr/>
-        </p:nvPicPr>
-        <p:blipFill rotWithShape="1">
-          <a:blip r:embed="rId3">
-            <a:extLst>
-              <a:ext uri="{28A0092B-C50C-407E-A947-70E740481C1C}">
-                <a14:useLocalDpi xmlns:a14="http://schemas.microsoft.com/office/drawing/2010/main" val="0"/>
-              </a:ext>
-            </a:extLst>
-          </a:blip>
-          <a:srcRect t="21825" r="38065" b="13518"/>
-          <a:stretch/>
-        </p:blipFill>
-        <p:spPr>
-          <a:xfrm>
-            <a:off x="4675168" y="1441531"/>
-            <a:ext cx="1884729" cy="1595982"/>
-          </a:xfrm>
-          <a:prstGeom prst="rect">
-            <a:avLst/>
-          </a:prstGeom>
-          <a:ln w="12700" cmpd="sng">
-            <a:solidFill>
-              <a:srgbClr val="000000"/>
-            </a:solidFill>
-          </a:ln>
-          <a:effectLst>
-            <a:outerShdw blurRad="50800" dist="38100" dir="2700000" algn="tl" rotWithShape="0">
-              <a:prstClr val="black">
-                <a:alpha val="40000"/>
-              </a:prstClr>
-            </a:outerShdw>
-          </a:effectLst>
-        </p:spPr>
-      </p:pic>
+        <p:style>
+          <a:lnRef idx="1">
+            <a:schemeClr val="accent1"/>
+          </a:lnRef>
+          <a:fillRef idx="3">
+            <a:schemeClr val="accent1"/>
+          </a:fillRef>
+          <a:effectRef idx="2">
+            <a:schemeClr val="accent1"/>
+          </a:effectRef>
+          <a:fontRef idx="minor">
+            <a:schemeClr val="lt1"/>
+          </a:fontRef>
+        </p:style>
+        <p:txBody>
+          <a:bodyPr rtlCol="0" anchor="ctr"/>
+          <a:lstStyle/>
+          <a:p>
+            <a:pPr algn="ctr"/>
+            <a:endParaRPr lang="en-US" sz="1400">
+              <a:latin typeface="Helvetica"/>
+              <a:cs typeface="Helvetica"/>
+            </a:endParaRPr>
+          </a:p>
+        </p:txBody>
+      </p:sp>
       <p:sp>
         <p:nvSpPr>
-          <p:cNvPr id="4" name="Rectangle 3"/>
+          <p:cNvPr id="13" name="TextBox 12"/>
+          <p:cNvSpPr txBox="1"/>
+          <p:nvPr/>
+        </p:nvSpPr>
+        <p:spPr>
+          <a:xfrm>
+            <a:off x="1772903" y="4289793"/>
+            <a:ext cx="1870852" cy="415498"/>
+          </a:xfrm>
+          <a:prstGeom prst="rect">
+            <a:avLst/>
+          </a:prstGeom>
+          <a:noFill/>
+        </p:spPr>
+        <p:txBody>
+          <a:bodyPr wrap="square" rtlCol="0">
+            <a:spAutoFit/>
+          </a:bodyPr>
+          <a:lstStyle/>
+          <a:p>
+            <a:pPr algn="ctr"/>
+            <a:r>
+              <a:rPr lang="en-US" sz="1050" dirty="0" smtClean="0">
+                <a:latin typeface="Helvetica"/>
+                <a:cs typeface="Helvetica"/>
+              </a:rPr>
+              <a:t>(UO</a:t>
+            </a:r>
+            <a:r>
+              <a:rPr lang="en-US" sz="1050" baseline="-25000" dirty="0" smtClean="0">
+                <a:latin typeface="Helvetica"/>
+                <a:cs typeface="Helvetica"/>
+              </a:rPr>
+              <a:t>2</a:t>
+            </a:r>
+            <a:r>
+              <a:rPr lang="en-US" sz="1050" dirty="0" smtClean="0">
+                <a:latin typeface="Helvetica"/>
+                <a:cs typeface="Helvetica"/>
+              </a:rPr>
+              <a:t>)</a:t>
+            </a:r>
+            <a:r>
+              <a:rPr lang="en-US" sz="1050" baseline="30000" dirty="0" smtClean="0">
+                <a:latin typeface="Helvetica"/>
+                <a:cs typeface="Helvetica"/>
+              </a:rPr>
+              <a:t>2+</a:t>
+            </a:r>
+            <a:r>
+              <a:rPr lang="en-US" sz="1050" dirty="0" smtClean="0">
+                <a:latin typeface="Helvetica"/>
+                <a:cs typeface="Helvetica"/>
+              </a:rPr>
+              <a:t> and </a:t>
+            </a:r>
+          </a:p>
+          <a:p>
+            <a:pPr algn="ctr"/>
+            <a:r>
+              <a:rPr lang="en-US" sz="1050" dirty="0" smtClean="0">
+                <a:latin typeface="Helvetica"/>
+                <a:cs typeface="Helvetica"/>
+              </a:rPr>
+              <a:t>chelating ligand</a:t>
+            </a:r>
+            <a:endParaRPr lang="en-US" sz="1050" dirty="0">
+              <a:latin typeface="Helvetica"/>
+              <a:cs typeface="Helvetica"/>
+            </a:endParaRPr>
+          </a:p>
+        </p:txBody>
+      </p:sp>
+      <p:sp>
+        <p:nvSpPr>
+          <p:cNvPr id="14" name="TextBox 13"/>
+          <p:cNvSpPr txBox="1"/>
+          <p:nvPr/>
+        </p:nvSpPr>
+        <p:spPr>
+          <a:xfrm>
+            <a:off x="3778990" y="4350259"/>
+            <a:ext cx="1870851" cy="253916"/>
+          </a:xfrm>
+          <a:prstGeom prst="rect">
+            <a:avLst/>
+          </a:prstGeom>
+          <a:noFill/>
+        </p:spPr>
+        <p:txBody>
+          <a:bodyPr wrap="square" rtlCol="0">
+            <a:spAutoFit/>
+          </a:bodyPr>
+          <a:lstStyle/>
+          <a:p>
+            <a:pPr algn="ctr"/>
+            <a:r>
+              <a:rPr lang="en-US" sz="1050" dirty="0" err="1" smtClean="0">
+                <a:latin typeface="Helvetica"/>
+                <a:cs typeface="Helvetica"/>
+              </a:rPr>
+              <a:t>NanoMOF</a:t>
+            </a:r>
+            <a:endParaRPr lang="en-US" sz="1050" dirty="0">
+              <a:latin typeface="Helvetica"/>
+              <a:cs typeface="Helvetica"/>
+            </a:endParaRPr>
+          </a:p>
+        </p:txBody>
+      </p:sp>
+      <p:sp>
+        <p:nvSpPr>
+          <p:cNvPr id="15" name="TextBox 14"/>
+          <p:cNvSpPr txBox="1"/>
+          <p:nvPr/>
+        </p:nvSpPr>
+        <p:spPr>
+          <a:xfrm>
+            <a:off x="5920307" y="4333098"/>
+            <a:ext cx="1806351" cy="253916"/>
+          </a:xfrm>
+          <a:prstGeom prst="rect">
+            <a:avLst/>
+          </a:prstGeom>
+          <a:noFill/>
+        </p:spPr>
+        <p:txBody>
+          <a:bodyPr wrap="square" rtlCol="0">
+            <a:spAutoFit/>
+          </a:bodyPr>
+          <a:lstStyle/>
+          <a:p>
+            <a:pPr algn="ctr"/>
+            <a:r>
+              <a:rPr lang="en-US" sz="1050" dirty="0" smtClean="0">
+                <a:latin typeface="Helvetica"/>
+                <a:cs typeface="Helvetica"/>
+              </a:rPr>
+              <a:t>Pristine MOF</a:t>
+            </a:r>
+            <a:endParaRPr lang="en-US" sz="1050" dirty="0">
+              <a:latin typeface="Helvetica"/>
+              <a:cs typeface="Helvetica"/>
+            </a:endParaRPr>
+          </a:p>
+        </p:txBody>
+      </p:sp>
+      <p:sp>
+        <p:nvSpPr>
+          <p:cNvPr id="11" name="Rectangle 10"/>
           <p:cNvSpPr/>
           <p:nvPr/>
         </p:nvSpPr>
         <p:spPr>
           <a:xfrm>
-            <a:off x="566403" y="1441531"/>
+            <a:off x="3797952" y="2673737"/>
             <a:ext cx="1870851" cy="1595982"/>
           </a:xfrm>
           <a:prstGeom prst="rect">
             <a:avLst/>
           </a:prstGeom>
-          <a:noFill/>
+          <a:solidFill>
+            <a:schemeClr val="bg1"/>
+          </a:solidFill>
           <a:ln>
             <a:solidFill>
               <a:srgbClr val="000000"/>
@@ -3235,290 +3403,44 @@
           </a:p>
         </p:txBody>
       </p:sp>
-      <p:cxnSp>
-        <p:nvCxnSpPr>
-          <p:cNvPr id="9" name="Straight Arrow Connector 8"/>
-          <p:cNvCxnSpPr/>
-          <p:nvPr/>
-        </p:nvCxnSpPr>
-        <p:spPr>
-          <a:xfrm>
-            <a:off x="566403" y="1269919"/>
-            <a:ext cx="5993494" cy="0"/>
-          </a:xfrm>
-          <a:prstGeom prst="straightConnector1">
-            <a:avLst/>
-          </a:prstGeom>
-          <a:ln>
-            <a:solidFill>
-              <a:schemeClr val="tx1"/>
-            </a:solidFill>
-            <a:tailEnd type="arrow"/>
-          </a:ln>
-          <a:effectLst/>
-        </p:spPr>
-        <p:style>
-          <a:lnRef idx="2">
-            <a:schemeClr val="accent1"/>
-          </a:lnRef>
-          <a:fillRef idx="0">
-            <a:schemeClr val="accent1"/>
-          </a:fillRef>
-          <a:effectRef idx="1">
-            <a:schemeClr val="accent1"/>
-          </a:effectRef>
-          <a:fontRef idx="minor">
-            <a:schemeClr val="tx1"/>
-          </a:fontRef>
-        </p:style>
-      </p:cxnSp>
-      <p:sp>
-        <p:nvSpPr>
-          <p:cNvPr id="10" name="TextBox 9"/>
-          <p:cNvSpPr txBox="1"/>
-          <p:nvPr/>
-        </p:nvSpPr>
-        <p:spPr>
-          <a:xfrm>
-            <a:off x="2586622" y="954388"/>
-            <a:ext cx="1870851" cy="307777"/>
-          </a:xfrm>
-          <a:prstGeom prst="rect">
-            <a:avLst/>
-          </a:prstGeom>
-          <a:noFill/>
-        </p:spPr>
-        <p:txBody>
-          <a:bodyPr wrap="square" rtlCol="0">
-            <a:spAutoFit/>
-          </a:bodyPr>
-          <a:lstStyle/>
-          <a:p>
-            <a:pPr algn="ctr"/>
-            <a:r>
-              <a:rPr lang="en-US" sz="1400" dirty="0" smtClean="0">
-                <a:latin typeface="Helvetica"/>
-                <a:cs typeface="Helvetica"/>
-              </a:rPr>
-              <a:t>System Size</a:t>
-            </a:r>
-            <a:endParaRPr lang="en-US" sz="1400" dirty="0">
-              <a:latin typeface="Helvetica"/>
-              <a:cs typeface="Helvetica"/>
-            </a:endParaRPr>
-          </a:p>
-        </p:txBody>
-      </p:sp>
-      <p:sp>
-        <p:nvSpPr>
-          <p:cNvPr id="13" name="TextBox 12"/>
-          <p:cNvSpPr txBox="1"/>
-          <p:nvPr/>
-        </p:nvSpPr>
-        <p:spPr>
-          <a:xfrm>
-            <a:off x="566403" y="3102941"/>
-            <a:ext cx="1870852" cy="900246"/>
-          </a:xfrm>
-          <a:prstGeom prst="rect">
-            <a:avLst/>
-          </a:prstGeom>
-          <a:noFill/>
-        </p:spPr>
-        <p:txBody>
-          <a:bodyPr wrap="square" rtlCol="0">
-            <a:spAutoFit/>
-          </a:bodyPr>
-          <a:lstStyle/>
-          <a:p>
-            <a:pPr algn="ctr"/>
-            <a:r>
-              <a:rPr lang="en-US" sz="1050" dirty="0" smtClean="0">
-                <a:latin typeface="Helvetica"/>
-                <a:cs typeface="Helvetica"/>
-              </a:rPr>
-              <a:t>Spin-Crossover Complexes</a:t>
-            </a:r>
-          </a:p>
-          <a:p>
-            <a:pPr algn="ctr"/>
-            <a:r>
-              <a:rPr lang="en-US" sz="1050" dirty="0" smtClean="0">
-                <a:latin typeface="Helvetica"/>
-                <a:cs typeface="Helvetica"/>
-              </a:rPr>
-              <a:t>Single Molecule Magnets </a:t>
-            </a:r>
-          </a:p>
-          <a:p>
-            <a:pPr algn="ctr"/>
-            <a:r>
-              <a:rPr lang="en-US" sz="1050" dirty="0" smtClean="0">
-                <a:latin typeface="Helvetica"/>
-                <a:cs typeface="Helvetica"/>
-              </a:rPr>
-              <a:t>Organoactinide Systems</a:t>
-            </a:r>
-          </a:p>
-          <a:p>
-            <a:pPr algn="ctr"/>
-            <a:r>
-              <a:rPr lang="en-US" sz="1050" dirty="0" smtClean="0">
-                <a:latin typeface="Helvetica"/>
-                <a:cs typeface="Helvetica"/>
-              </a:rPr>
-              <a:t>Gd MRI Contrast Agents</a:t>
-            </a:r>
-          </a:p>
-          <a:p>
-            <a:pPr algn="ctr"/>
-            <a:r>
-              <a:rPr lang="en-US" sz="1050" dirty="0" smtClean="0">
-                <a:latin typeface="Helvetica"/>
-                <a:cs typeface="Helvetica"/>
-              </a:rPr>
-              <a:t>Ln photosensors</a:t>
-            </a:r>
-            <a:endParaRPr lang="en-US" sz="1050" dirty="0">
-              <a:latin typeface="Helvetica"/>
-              <a:cs typeface="Helvetica"/>
-            </a:endParaRPr>
-          </a:p>
-        </p:txBody>
-      </p:sp>
-      <p:sp>
-        <p:nvSpPr>
-          <p:cNvPr id="14" name="TextBox 13"/>
-          <p:cNvSpPr txBox="1"/>
-          <p:nvPr/>
-        </p:nvSpPr>
-        <p:spPr>
-          <a:xfrm>
-            <a:off x="2572490" y="3118053"/>
-            <a:ext cx="1870851" cy="738664"/>
-          </a:xfrm>
-          <a:prstGeom prst="rect">
-            <a:avLst/>
-          </a:prstGeom>
-          <a:noFill/>
-        </p:spPr>
-        <p:txBody>
-          <a:bodyPr wrap="square" rtlCol="0">
-            <a:spAutoFit/>
-          </a:bodyPr>
-          <a:lstStyle/>
-          <a:p>
-            <a:pPr algn="ctr"/>
-            <a:r>
-              <a:rPr lang="en-US" sz="1050" dirty="0" smtClean="0">
-                <a:latin typeface="Helvetica"/>
-                <a:cs typeface="Helvetica"/>
-              </a:rPr>
-              <a:t>Metal Clusters</a:t>
-            </a:r>
-          </a:p>
-          <a:p>
-            <a:pPr algn="ctr"/>
-            <a:r>
-              <a:rPr lang="en-US" sz="1050" dirty="0" smtClean="0">
-                <a:latin typeface="Helvetica"/>
-                <a:cs typeface="Helvetica"/>
-              </a:rPr>
-              <a:t>Bimetallic SMMs</a:t>
-            </a:r>
-          </a:p>
-          <a:p>
-            <a:pPr algn="ctr"/>
-            <a:r>
-              <a:rPr lang="en-US" sz="1050" dirty="0" smtClean="0">
-                <a:latin typeface="Helvetica"/>
-                <a:cs typeface="Helvetica"/>
-              </a:rPr>
-              <a:t>Bimetallic catalysts</a:t>
-            </a:r>
-          </a:p>
-          <a:p>
-            <a:pPr algn="ctr"/>
-            <a:r>
-              <a:rPr lang="en-US" sz="1050" dirty="0" smtClean="0">
-                <a:latin typeface="Helvetica"/>
-                <a:cs typeface="Helvetica"/>
-              </a:rPr>
-              <a:t>Model Enzyme active sites</a:t>
-            </a:r>
-            <a:endParaRPr lang="en-US" sz="1050" dirty="0">
-              <a:latin typeface="Helvetica"/>
-              <a:cs typeface="Helvetica"/>
-            </a:endParaRPr>
-          </a:p>
-        </p:txBody>
-      </p:sp>
-      <p:sp>
-        <p:nvSpPr>
-          <p:cNvPr id="15" name="TextBox 14"/>
-          <p:cNvSpPr txBox="1"/>
-          <p:nvPr/>
-        </p:nvSpPr>
-        <p:spPr>
-          <a:xfrm>
-            <a:off x="4713807" y="3100892"/>
-            <a:ext cx="1806351" cy="577081"/>
-          </a:xfrm>
-          <a:prstGeom prst="rect">
-            <a:avLst/>
-          </a:prstGeom>
-          <a:noFill/>
-        </p:spPr>
-        <p:txBody>
-          <a:bodyPr wrap="square" rtlCol="0">
-            <a:spAutoFit/>
-          </a:bodyPr>
-          <a:lstStyle/>
-          <a:p>
-            <a:pPr algn="ctr"/>
-            <a:r>
-              <a:rPr lang="en-US" sz="1050" dirty="0" smtClean="0">
-                <a:latin typeface="Helvetica"/>
-                <a:cs typeface="Helvetica"/>
-              </a:rPr>
-              <a:t>Luminescent MOFs</a:t>
-            </a:r>
-          </a:p>
-          <a:p>
-            <a:pPr algn="ctr"/>
-            <a:r>
-              <a:rPr lang="en-US" sz="1050" dirty="0" smtClean="0">
-                <a:latin typeface="Helvetica"/>
-                <a:cs typeface="Helvetica"/>
-              </a:rPr>
-              <a:t>Photocatalytic MOFs</a:t>
-            </a:r>
-          </a:p>
-          <a:p>
-            <a:pPr algn="ctr"/>
-            <a:r>
-              <a:rPr lang="en-US" sz="1050" dirty="0" smtClean="0">
-                <a:latin typeface="Helvetica"/>
-                <a:cs typeface="Helvetica"/>
-              </a:rPr>
-              <a:t>MOFs as Sensors</a:t>
-            </a:r>
-            <a:endParaRPr lang="en-US" sz="1050" dirty="0">
-              <a:latin typeface="Helvetica"/>
-              <a:cs typeface="Helvetica"/>
-            </a:endParaRPr>
-          </a:p>
-        </p:txBody>
-      </p:sp>
       <p:pic>
         <p:nvPicPr>
-          <p:cNvPr id="25" name="Picture 24" descr="hopo.gif"/>
+          <p:cNvPr id="3" name="Picture 2" descr="uo2-chelate.tga"/>
           <p:cNvPicPr>
             <a:picLocks noChangeAspect="1"/>
           </p:cNvPicPr>
           <p:nvPr/>
         </p:nvPicPr>
-        <p:blipFill>
+        <p:blipFill rotWithShape="1">
+          <a:blip r:embed="rId3">
+            <a:extLst>
+              <a:ext uri="{28A0092B-C50C-407E-A947-70E740481C1C}">
+                <a14:useLocalDpi xmlns:a14="http://schemas.microsoft.com/office/drawing/2010/main" val="0"/>
+              </a:ext>
+            </a:extLst>
+          </a:blip>
+          <a:srcRect l="5460" t="21020" r="7420" b="12703"/>
+          <a:stretch/>
+        </p:blipFill>
+        <p:spPr>
+          <a:xfrm>
+            <a:off x="1818263" y="2982052"/>
+            <a:ext cx="1741122" cy="1011738"/>
+          </a:xfrm>
+          <a:prstGeom prst="rect">
+            <a:avLst/>
+          </a:prstGeom>
+        </p:spPr>
+      </p:pic>
+      <p:pic>
+        <p:nvPicPr>
+          <p:cNvPr id="6" name="Picture 5" descr="uionano.tga"/>
+          <p:cNvPicPr>
+            <a:picLocks noChangeAspect="1"/>
+          </p:cNvPicPr>
+          <p:nvPr/>
+        </p:nvPicPr>
+        <p:blipFill rotWithShape="1">
           <a:blip r:embed="rId4">
             <a:extLst>
               <a:ext uri="{28A0092B-C50C-407E-A947-70E740481C1C}">
@@ -3526,14 +3448,13 @@
               </a:ext>
             </a:extLst>
           </a:blip>
-          <a:stretch>
-            <a:fillRect/>
-          </a:stretch>
+          <a:srcRect l="17257" t="3704" r="14989" b="3518"/>
+          <a:stretch/>
         </p:blipFill>
         <p:spPr>
           <a:xfrm>
-            <a:off x="765315" y="1488239"/>
-            <a:ext cx="1554553" cy="1492029"/>
+            <a:off x="4047057" y="2752069"/>
+            <a:ext cx="1378153" cy="1441450"/>
           </a:xfrm>
           <a:prstGeom prst="rect">
             <a:avLst/>
@@ -3543,7 +3464,7 @@
     </p:spTree>
     <p:extLst>
       <p:ext uri="{BB962C8B-B14F-4D97-AF65-F5344CB8AC3E}">
-        <p14:creationId xmlns:p14="http://schemas.microsoft.com/office/powerpoint/2010/main" val="3636074286"/>
+        <p14:creationId xmlns:p14="http://schemas.microsoft.com/office/powerpoint/2010/main" val="4208959501"/>
       </p:ext>
     </p:extLst>
   </p:cSld>
@@ -3572,6 +3493,846 @@
       </p:grpSpPr>
       <p:pic>
         <p:nvPicPr>
+          <p:cNvPr id="5" name="Picture 4" descr="3 35 1.83.tiff"/>
+          <p:cNvPicPr>
+            <a:picLocks noChangeAspect="1"/>
+          </p:cNvPicPr>
+          <p:nvPr/>
+        </p:nvPicPr>
+        <p:blipFill>
+          <a:blip r:embed="rId2">
+            <a:extLst>
+              <a:ext uri="{28A0092B-C50C-407E-A947-70E740481C1C}">
+                <a14:useLocalDpi xmlns:a14="http://schemas.microsoft.com/office/drawing/2010/main" val="0"/>
+              </a:ext>
+            </a:extLst>
+          </a:blip>
+          <a:stretch>
+            <a:fillRect/>
+          </a:stretch>
+        </p:blipFill>
+        <p:spPr>
+          <a:xfrm>
+            <a:off x="4964113" y="1772492"/>
+            <a:ext cx="1604306" cy="1609866"/>
+          </a:xfrm>
+          <a:prstGeom prst="rect">
+            <a:avLst/>
+          </a:prstGeom>
+        </p:spPr>
+      </p:pic>
+      <p:pic>
+        <p:nvPicPr>
+          <p:cNvPr id="6" name="Picture 5" descr="hopo.gif"/>
+          <p:cNvPicPr>
+            <a:picLocks noChangeAspect="1"/>
+          </p:cNvPicPr>
+          <p:nvPr/>
+        </p:nvPicPr>
+        <p:blipFill>
+          <a:blip r:embed="rId3">
+            <a:extLst>
+              <a:ext uri="{28A0092B-C50C-407E-A947-70E740481C1C}">
+                <a14:useLocalDpi xmlns:a14="http://schemas.microsoft.com/office/drawing/2010/main" val="0"/>
+              </a:ext>
+            </a:extLst>
+          </a:blip>
+          <a:stretch>
+            <a:fillRect/>
+          </a:stretch>
+        </p:blipFill>
+        <p:spPr>
+          <a:xfrm>
+            <a:off x="3379319" y="1832964"/>
+            <a:ext cx="1554553" cy="1492029"/>
+          </a:xfrm>
+          <a:prstGeom prst="rect">
+            <a:avLst/>
+          </a:prstGeom>
+        </p:spPr>
+      </p:pic>
+    </p:spTree>
+    <p:extLst>
+      <p:ext uri="{BB962C8B-B14F-4D97-AF65-F5344CB8AC3E}">
+        <p14:creationId xmlns:p14="http://schemas.microsoft.com/office/powerpoint/2010/main" val="1406232215"/>
+      </p:ext>
+    </p:extLst>
+  </p:cSld>
+  <p:clrMapOvr>
+    <a:masterClrMapping/>
+  </p:clrMapOvr>
+</p:sld>
+</file>
+
+<file path=ppt/slides/slide3.xml><?xml version="1.0" encoding="utf-8"?>
+<p:sld xmlns:a="http://schemas.openxmlformats.org/drawingml/2006/main" xmlns:r="http://schemas.openxmlformats.org/officeDocument/2006/relationships" xmlns:p="http://schemas.openxmlformats.org/presentationml/2006/main">
+  <p:cSld>
+    <p:spTree>
+      <p:nvGrpSpPr>
+        <p:cNvPr id="1" name=""/>
+        <p:cNvGrpSpPr/>
+        <p:nvPr/>
+      </p:nvGrpSpPr>
+      <p:grpSpPr>
+        <a:xfrm>
+          <a:off x="0" y="0"/>
+          <a:ext cx="0" cy="0"/>
+          <a:chOff x="0" y="0"/>
+          <a:chExt cx="0" cy="0"/>
+        </a:xfrm>
+      </p:grpSpPr>
+      <p:pic>
+        <p:nvPicPr>
+          <p:cNvPr id="4" name="Picture 3" descr="delta2.tiff"/>
+          <p:cNvPicPr>
+            <a:picLocks noChangeAspect="1"/>
+          </p:cNvPicPr>
+          <p:nvPr/>
+        </p:nvPicPr>
+        <p:blipFill>
+          <a:blip r:embed="rId2">
+            <a:extLst>
+              <a:ext uri="{28A0092B-C50C-407E-A947-70E740481C1C}">
+                <a14:useLocalDpi xmlns:a14="http://schemas.microsoft.com/office/drawing/2010/main" val="0"/>
+              </a:ext>
+            </a:extLst>
+          </a:blip>
+          <a:stretch>
+            <a:fillRect/>
+          </a:stretch>
+        </p:blipFill>
+        <p:spPr>
+          <a:xfrm rot="11132795" flipH="1">
+            <a:off x="4929566" y="2664829"/>
+            <a:ext cx="697717" cy="642322"/>
+          </a:xfrm>
+          <a:prstGeom prst="rect">
+            <a:avLst/>
+          </a:prstGeom>
+        </p:spPr>
+      </p:pic>
+      <p:grpSp>
+        <p:nvGrpSpPr>
+          <p:cNvPr id="7" name="Group 6"/>
+          <p:cNvGrpSpPr/>
+          <p:nvPr/>
+        </p:nvGrpSpPr>
+        <p:grpSpPr>
+          <a:xfrm>
+            <a:off x="3819192" y="1400193"/>
+            <a:ext cx="1537097" cy="377231"/>
+            <a:chOff x="5837488" y="1392294"/>
+            <a:chExt cx="1537097" cy="377231"/>
+          </a:xfrm>
+        </p:grpSpPr>
+        <p:sp>
+          <p:nvSpPr>
+            <p:cNvPr id="15" name="TextBox 14"/>
+            <p:cNvSpPr txBox="1"/>
+            <p:nvPr/>
+          </p:nvSpPr>
+          <p:spPr>
+            <a:xfrm>
+              <a:off x="6632562" y="1392294"/>
+              <a:ext cx="742023" cy="369332"/>
+            </a:xfrm>
+            <a:prstGeom prst="rect">
+              <a:avLst/>
+            </a:prstGeom>
+            <a:noFill/>
+          </p:spPr>
+          <p:txBody>
+            <a:bodyPr wrap="none" rtlCol="0">
+              <a:spAutoFit/>
+            </a:bodyPr>
+            <a:lstStyle/>
+            <a:p>
+              <a:r>
+                <a:rPr lang="en-US" dirty="0" smtClean="0"/>
+                <a:t>U-X-U</a:t>
+              </a:r>
+              <a:endParaRPr lang="en-US" dirty="0"/>
+            </a:p>
+          </p:txBody>
+        </p:sp>
+        <p:sp>
+          <p:nvSpPr>
+            <p:cNvPr id="24" name="TextBox 23"/>
+            <p:cNvSpPr txBox="1"/>
+            <p:nvPr/>
+          </p:nvSpPr>
+          <p:spPr>
+            <a:xfrm>
+              <a:off x="5837488" y="1400193"/>
+              <a:ext cx="523250" cy="369332"/>
+            </a:xfrm>
+            <a:prstGeom prst="rect">
+              <a:avLst/>
+            </a:prstGeom>
+            <a:noFill/>
+          </p:spPr>
+          <p:txBody>
+            <a:bodyPr wrap="none" rtlCol="0">
+              <a:spAutoFit/>
+            </a:bodyPr>
+            <a:lstStyle/>
+            <a:p>
+              <a:r>
+                <a:rPr lang="en-US" dirty="0" smtClean="0"/>
+                <a:t>U-X</a:t>
+              </a:r>
+              <a:endParaRPr lang="en-US" dirty="0"/>
+            </a:p>
+          </p:txBody>
+        </p:sp>
+      </p:grpSp>
+      <p:sp>
+        <p:nvSpPr>
+          <p:cNvPr id="27" name="TextBox 26"/>
+          <p:cNvSpPr txBox="1"/>
+          <p:nvPr/>
+        </p:nvSpPr>
+        <p:spPr>
+          <a:xfrm>
+            <a:off x="3512592" y="1955983"/>
+            <a:ext cx="2139481" cy="577081"/>
+          </a:xfrm>
+          <a:prstGeom prst="rect">
+            <a:avLst/>
+          </a:prstGeom>
+          <a:noFill/>
+          <a:ln>
+            <a:solidFill>
+              <a:schemeClr val="tx1"/>
+            </a:solidFill>
+          </a:ln>
+        </p:spPr>
+        <p:txBody>
+          <a:bodyPr wrap="square" rtlCol="0">
+            <a:spAutoFit/>
+          </a:bodyPr>
+          <a:lstStyle/>
+          <a:p>
+            <a:r>
+              <a:rPr lang="en-US" sz="1050" dirty="0" smtClean="0">
+                <a:latin typeface="Helvetica"/>
+                <a:cs typeface="Helvetica"/>
+              </a:rPr>
+              <a:t>   = N, P, and O donating ligands</a:t>
+            </a:r>
+          </a:p>
+          <a:p>
+            <a:endParaRPr lang="en-US" sz="1050" dirty="0">
+              <a:latin typeface="Helvetica"/>
+              <a:cs typeface="Helvetica"/>
+            </a:endParaRPr>
+          </a:p>
+          <a:p>
+            <a:r>
+              <a:rPr lang="en-US" sz="1050" dirty="0" smtClean="0">
+                <a:latin typeface="Helvetica"/>
+                <a:cs typeface="Helvetica"/>
+              </a:rPr>
+              <a:t>X = arenes, N, O</a:t>
+            </a:r>
+          </a:p>
+        </p:txBody>
+      </p:sp>
+      <p:sp>
+        <p:nvSpPr>
+          <p:cNvPr id="28" name="Block Arc 27"/>
+          <p:cNvSpPr/>
+          <p:nvPr/>
+        </p:nvSpPr>
+        <p:spPr>
+          <a:xfrm rot="5400000">
+            <a:off x="3527167" y="2024564"/>
+            <a:ext cx="159369" cy="140747"/>
+          </a:xfrm>
+          <a:prstGeom prst="blockArc">
+            <a:avLst/>
+          </a:prstGeom>
+          <a:solidFill>
+            <a:schemeClr val="tx1"/>
+          </a:solidFill>
+          <a:ln>
+            <a:solidFill>
+              <a:schemeClr val="tx1"/>
+            </a:solidFill>
+          </a:ln>
+          <a:effectLst/>
+        </p:spPr>
+        <p:style>
+          <a:lnRef idx="1">
+            <a:schemeClr val="accent1"/>
+          </a:lnRef>
+          <a:fillRef idx="3">
+            <a:schemeClr val="accent1"/>
+          </a:fillRef>
+          <a:effectRef idx="2">
+            <a:schemeClr val="accent1"/>
+          </a:effectRef>
+          <a:fontRef idx="minor">
+            <a:schemeClr val="lt1"/>
+          </a:fontRef>
+        </p:style>
+        <p:txBody>
+          <a:bodyPr rtlCol="0" anchor="ctr"/>
+          <a:lstStyle/>
+          <a:p>
+            <a:pPr algn="ctr"/>
+            <a:endParaRPr lang="en-US">
+              <a:solidFill>
+                <a:schemeClr val="tx1"/>
+              </a:solidFill>
+            </a:endParaRPr>
+          </a:p>
+        </p:txBody>
+      </p:sp>
+      <p:pic>
+        <p:nvPicPr>
+          <p:cNvPr id="9" name="Picture 8" descr="unu one.tiff"/>
+          <p:cNvPicPr>
+            <a:picLocks noChangeAspect="1"/>
+          </p:cNvPicPr>
+          <p:nvPr/>
+        </p:nvPicPr>
+        <p:blipFill>
+          <a:blip r:embed="rId3">
+            <a:extLst>
+              <a:ext uri="{28A0092B-C50C-407E-A947-70E740481C1C}">
+                <a14:useLocalDpi xmlns:a14="http://schemas.microsoft.com/office/drawing/2010/main" val="0"/>
+              </a:ext>
+            </a:extLst>
+          </a:blip>
+          <a:stretch>
+            <a:fillRect/>
+          </a:stretch>
+        </p:blipFill>
+        <p:spPr>
+          <a:xfrm>
+            <a:off x="3553972" y="2719715"/>
+            <a:ext cx="708987" cy="484075"/>
+          </a:xfrm>
+          <a:prstGeom prst="rect">
+            <a:avLst/>
+          </a:prstGeom>
+        </p:spPr>
+      </p:pic>
+      <p:sp>
+        <p:nvSpPr>
+          <p:cNvPr id="32" name="Block Arc 31"/>
+          <p:cNvSpPr/>
+          <p:nvPr/>
+        </p:nvSpPr>
+        <p:spPr>
+          <a:xfrm rot="5400000">
+            <a:off x="3889456" y="2687148"/>
+            <a:ext cx="642321" cy="567268"/>
+          </a:xfrm>
+          <a:prstGeom prst="blockArc">
+            <a:avLst/>
+          </a:prstGeom>
+          <a:solidFill>
+            <a:schemeClr val="tx1"/>
+          </a:solidFill>
+          <a:ln>
+            <a:noFill/>
+          </a:ln>
+          <a:effectLst/>
+        </p:spPr>
+        <p:style>
+          <a:lnRef idx="1">
+            <a:schemeClr val="accent1"/>
+          </a:lnRef>
+          <a:fillRef idx="3">
+            <a:schemeClr val="accent1"/>
+          </a:fillRef>
+          <a:effectRef idx="2">
+            <a:schemeClr val="accent1"/>
+          </a:effectRef>
+          <a:fontRef idx="minor">
+            <a:schemeClr val="lt1"/>
+          </a:fontRef>
+        </p:style>
+        <p:txBody>
+          <a:bodyPr rtlCol="0" anchor="ctr"/>
+          <a:lstStyle/>
+          <a:p>
+            <a:pPr algn="ctr"/>
+            <a:endParaRPr lang="en-US">
+              <a:solidFill>
+                <a:schemeClr val="tx1"/>
+              </a:solidFill>
+            </a:endParaRPr>
+          </a:p>
+        </p:txBody>
+      </p:sp>
+      <p:sp>
+        <p:nvSpPr>
+          <p:cNvPr id="33" name="Block Arc 32"/>
+          <p:cNvSpPr/>
+          <p:nvPr/>
+        </p:nvSpPr>
+        <p:spPr>
+          <a:xfrm rot="16200000">
+            <a:off x="3313723" y="2687147"/>
+            <a:ext cx="642321" cy="567268"/>
+          </a:xfrm>
+          <a:prstGeom prst="blockArc">
+            <a:avLst/>
+          </a:prstGeom>
+          <a:solidFill>
+            <a:schemeClr val="tx1"/>
+          </a:solidFill>
+          <a:ln>
+            <a:noFill/>
+          </a:ln>
+          <a:effectLst/>
+        </p:spPr>
+        <p:style>
+          <a:lnRef idx="1">
+            <a:schemeClr val="accent1"/>
+          </a:lnRef>
+          <a:fillRef idx="3">
+            <a:schemeClr val="accent1"/>
+          </a:fillRef>
+          <a:effectRef idx="2">
+            <a:schemeClr val="accent1"/>
+          </a:effectRef>
+          <a:fontRef idx="minor">
+            <a:schemeClr val="lt1"/>
+          </a:fontRef>
+        </p:style>
+        <p:txBody>
+          <a:bodyPr rtlCol="0" anchor="ctr"/>
+          <a:lstStyle/>
+          <a:p>
+            <a:pPr algn="ctr"/>
+            <a:endParaRPr lang="en-US">
+              <a:solidFill>
+                <a:schemeClr val="tx1"/>
+              </a:solidFill>
+            </a:endParaRPr>
+          </a:p>
+        </p:txBody>
+      </p:sp>
+      <p:sp>
+        <p:nvSpPr>
+          <p:cNvPr id="34" name="Block Arc 33"/>
+          <p:cNvSpPr/>
+          <p:nvPr/>
+        </p:nvSpPr>
+        <p:spPr>
+          <a:xfrm rot="5400000">
+            <a:off x="5236128" y="2687147"/>
+            <a:ext cx="642321" cy="567268"/>
+          </a:xfrm>
+          <a:prstGeom prst="blockArc">
+            <a:avLst/>
+          </a:prstGeom>
+          <a:solidFill>
+            <a:schemeClr val="tx1"/>
+          </a:solidFill>
+          <a:ln>
+            <a:noFill/>
+          </a:ln>
+          <a:effectLst/>
+        </p:spPr>
+        <p:style>
+          <a:lnRef idx="1">
+            <a:schemeClr val="accent1"/>
+          </a:lnRef>
+          <a:fillRef idx="3">
+            <a:schemeClr val="accent1"/>
+          </a:fillRef>
+          <a:effectRef idx="2">
+            <a:schemeClr val="accent1"/>
+          </a:effectRef>
+          <a:fontRef idx="minor">
+            <a:schemeClr val="lt1"/>
+          </a:fontRef>
+        </p:style>
+        <p:txBody>
+          <a:bodyPr rtlCol="0" anchor="ctr"/>
+          <a:lstStyle/>
+          <a:p>
+            <a:pPr algn="ctr"/>
+            <a:endParaRPr lang="en-US">
+              <a:solidFill>
+                <a:schemeClr val="tx1"/>
+              </a:solidFill>
+            </a:endParaRPr>
+          </a:p>
+        </p:txBody>
+      </p:sp>
+      <p:sp>
+        <p:nvSpPr>
+          <p:cNvPr id="35" name="Block Arc 34"/>
+          <p:cNvSpPr/>
+          <p:nvPr/>
+        </p:nvSpPr>
+        <p:spPr>
+          <a:xfrm rot="16200000">
+            <a:off x="4660395" y="2687146"/>
+            <a:ext cx="642321" cy="567268"/>
+          </a:xfrm>
+          <a:prstGeom prst="blockArc">
+            <a:avLst/>
+          </a:prstGeom>
+          <a:solidFill>
+            <a:schemeClr val="tx1"/>
+          </a:solidFill>
+          <a:ln>
+            <a:noFill/>
+          </a:ln>
+          <a:effectLst/>
+        </p:spPr>
+        <p:style>
+          <a:lnRef idx="1">
+            <a:schemeClr val="accent1"/>
+          </a:lnRef>
+          <a:fillRef idx="3">
+            <a:schemeClr val="accent1"/>
+          </a:fillRef>
+          <a:effectRef idx="2">
+            <a:schemeClr val="accent1"/>
+          </a:effectRef>
+          <a:fontRef idx="minor">
+            <a:schemeClr val="lt1"/>
+          </a:fontRef>
+        </p:style>
+        <p:txBody>
+          <a:bodyPr rtlCol="0" anchor="ctr"/>
+          <a:lstStyle/>
+          <a:p>
+            <a:pPr algn="ctr"/>
+            <a:endParaRPr lang="en-US">
+              <a:solidFill>
+                <a:schemeClr val="tx1"/>
+              </a:solidFill>
+            </a:endParaRPr>
+          </a:p>
+        </p:txBody>
+      </p:sp>
+      <p:pic>
+        <p:nvPicPr>
+          <p:cNvPr id="13" name="Picture 12" descr="delta2.tiff"/>
+          <p:cNvPicPr>
+            <a:picLocks noChangeAspect="1"/>
+          </p:cNvPicPr>
+          <p:nvPr/>
+        </p:nvPicPr>
+        <p:blipFill>
+          <a:blip r:embed="rId2">
+            <a:extLst>
+              <a:ext uri="{28A0092B-C50C-407E-A947-70E740481C1C}">
+                <a14:useLocalDpi xmlns:a14="http://schemas.microsoft.com/office/drawing/2010/main" val="0"/>
+              </a:ext>
+            </a:extLst>
+          </a:blip>
+          <a:stretch>
+            <a:fillRect/>
+          </a:stretch>
+        </p:blipFill>
+        <p:spPr>
+          <a:xfrm rot="11132795" flipH="1">
+            <a:off x="5055489" y="5560430"/>
+            <a:ext cx="697717" cy="642322"/>
+          </a:xfrm>
+          <a:prstGeom prst="rect">
+            <a:avLst/>
+          </a:prstGeom>
+        </p:spPr>
+      </p:pic>
+      <p:sp>
+        <p:nvSpPr>
+          <p:cNvPr id="16" name="TextBox 15"/>
+          <p:cNvSpPr txBox="1"/>
+          <p:nvPr/>
+        </p:nvSpPr>
+        <p:spPr>
+          <a:xfrm>
+            <a:off x="4216777" y="4943494"/>
+            <a:ext cx="1051665" cy="523220"/>
+          </a:xfrm>
+          <a:prstGeom prst="rect">
+            <a:avLst/>
+          </a:prstGeom>
+          <a:noFill/>
+        </p:spPr>
+        <p:txBody>
+          <a:bodyPr wrap="none" rtlCol="0">
+            <a:spAutoFit/>
+          </a:bodyPr>
+          <a:lstStyle/>
+          <a:p>
+            <a:r>
+              <a:rPr lang="en-US" sz="2800" dirty="0" smtClean="0"/>
+              <a:t>U-X-U</a:t>
+            </a:r>
+            <a:endParaRPr lang="en-US" sz="2800" dirty="0"/>
+          </a:p>
+        </p:txBody>
+      </p:sp>
+      <p:pic>
+        <p:nvPicPr>
+          <p:cNvPr id="20" name="Picture 19" descr="unu one.tiff"/>
+          <p:cNvPicPr>
+            <a:picLocks noChangeAspect="1"/>
+          </p:cNvPicPr>
+          <p:nvPr/>
+        </p:nvPicPr>
+        <p:blipFill>
+          <a:blip r:embed="rId3">
+            <a:extLst>
+              <a:ext uri="{28A0092B-C50C-407E-A947-70E740481C1C}">
+                <a14:useLocalDpi xmlns:a14="http://schemas.microsoft.com/office/drawing/2010/main" val="0"/>
+              </a:ext>
+            </a:extLst>
+          </a:blip>
+          <a:stretch>
+            <a:fillRect/>
+          </a:stretch>
+        </p:blipFill>
+        <p:spPr>
+          <a:xfrm>
+            <a:off x="3679895" y="5615316"/>
+            <a:ext cx="708987" cy="484075"/>
+          </a:xfrm>
+          <a:prstGeom prst="rect">
+            <a:avLst/>
+          </a:prstGeom>
+        </p:spPr>
+      </p:pic>
+      <p:sp>
+        <p:nvSpPr>
+          <p:cNvPr id="21" name="Block Arc 20"/>
+          <p:cNvSpPr/>
+          <p:nvPr/>
+        </p:nvSpPr>
+        <p:spPr>
+          <a:xfrm rot="5400000">
+            <a:off x="4015379" y="5582749"/>
+            <a:ext cx="642321" cy="567268"/>
+          </a:xfrm>
+          <a:prstGeom prst="blockArc">
+            <a:avLst/>
+          </a:prstGeom>
+          <a:solidFill>
+            <a:schemeClr val="tx1"/>
+          </a:solidFill>
+          <a:ln>
+            <a:noFill/>
+          </a:ln>
+          <a:effectLst/>
+        </p:spPr>
+        <p:style>
+          <a:lnRef idx="1">
+            <a:schemeClr val="accent1"/>
+          </a:lnRef>
+          <a:fillRef idx="3">
+            <a:schemeClr val="accent1"/>
+          </a:fillRef>
+          <a:effectRef idx="2">
+            <a:schemeClr val="accent1"/>
+          </a:effectRef>
+          <a:fontRef idx="minor">
+            <a:schemeClr val="lt1"/>
+          </a:fontRef>
+        </p:style>
+        <p:txBody>
+          <a:bodyPr rtlCol="0" anchor="ctr"/>
+          <a:lstStyle/>
+          <a:p>
+            <a:pPr algn="ctr"/>
+            <a:endParaRPr lang="en-US">
+              <a:solidFill>
+                <a:schemeClr val="tx1"/>
+              </a:solidFill>
+            </a:endParaRPr>
+          </a:p>
+        </p:txBody>
+      </p:sp>
+      <p:sp>
+        <p:nvSpPr>
+          <p:cNvPr id="22" name="Block Arc 21"/>
+          <p:cNvSpPr/>
+          <p:nvPr/>
+        </p:nvSpPr>
+        <p:spPr>
+          <a:xfrm rot="16200000">
+            <a:off x="3439646" y="5582748"/>
+            <a:ext cx="642321" cy="567268"/>
+          </a:xfrm>
+          <a:prstGeom prst="blockArc">
+            <a:avLst/>
+          </a:prstGeom>
+          <a:solidFill>
+            <a:schemeClr val="tx1"/>
+          </a:solidFill>
+          <a:ln>
+            <a:noFill/>
+          </a:ln>
+          <a:effectLst/>
+        </p:spPr>
+        <p:style>
+          <a:lnRef idx="1">
+            <a:schemeClr val="accent1"/>
+          </a:lnRef>
+          <a:fillRef idx="3">
+            <a:schemeClr val="accent1"/>
+          </a:fillRef>
+          <a:effectRef idx="2">
+            <a:schemeClr val="accent1"/>
+          </a:effectRef>
+          <a:fontRef idx="minor">
+            <a:schemeClr val="lt1"/>
+          </a:fontRef>
+        </p:style>
+        <p:txBody>
+          <a:bodyPr rtlCol="0" anchor="ctr"/>
+          <a:lstStyle/>
+          <a:p>
+            <a:pPr algn="ctr"/>
+            <a:endParaRPr lang="en-US">
+              <a:solidFill>
+                <a:schemeClr val="tx1"/>
+              </a:solidFill>
+            </a:endParaRPr>
+          </a:p>
+        </p:txBody>
+      </p:sp>
+      <p:sp>
+        <p:nvSpPr>
+          <p:cNvPr id="23" name="Block Arc 22"/>
+          <p:cNvSpPr/>
+          <p:nvPr/>
+        </p:nvSpPr>
+        <p:spPr>
+          <a:xfrm rot="5400000">
+            <a:off x="5362051" y="5582748"/>
+            <a:ext cx="642321" cy="567268"/>
+          </a:xfrm>
+          <a:prstGeom prst="blockArc">
+            <a:avLst/>
+          </a:prstGeom>
+          <a:solidFill>
+            <a:schemeClr val="tx1"/>
+          </a:solidFill>
+          <a:ln>
+            <a:noFill/>
+          </a:ln>
+          <a:effectLst/>
+        </p:spPr>
+        <p:style>
+          <a:lnRef idx="1">
+            <a:schemeClr val="accent1"/>
+          </a:lnRef>
+          <a:fillRef idx="3">
+            <a:schemeClr val="accent1"/>
+          </a:fillRef>
+          <a:effectRef idx="2">
+            <a:schemeClr val="accent1"/>
+          </a:effectRef>
+          <a:fontRef idx="minor">
+            <a:schemeClr val="lt1"/>
+          </a:fontRef>
+        </p:style>
+        <p:txBody>
+          <a:bodyPr rtlCol="0" anchor="ctr"/>
+          <a:lstStyle/>
+          <a:p>
+            <a:pPr algn="ctr"/>
+            <a:endParaRPr lang="en-US">
+              <a:solidFill>
+                <a:schemeClr val="tx1"/>
+              </a:solidFill>
+            </a:endParaRPr>
+          </a:p>
+        </p:txBody>
+      </p:sp>
+      <p:sp>
+        <p:nvSpPr>
+          <p:cNvPr id="25" name="Block Arc 24"/>
+          <p:cNvSpPr/>
+          <p:nvPr/>
+        </p:nvSpPr>
+        <p:spPr>
+          <a:xfrm rot="16200000">
+            <a:off x="4786318" y="5582747"/>
+            <a:ext cx="642321" cy="567268"/>
+          </a:xfrm>
+          <a:prstGeom prst="blockArc">
+            <a:avLst/>
+          </a:prstGeom>
+          <a:solidFill>
+            <a:schemeClr val="tx1"/>
+          </a:solidFill>
+          <a:ln>
+            <a:noFill/>
+          </a:ln>
+          <a:effectLst/>
+        </p:spPr>
+        <p:style>
+          <a:lnRef idx="1">
+            <a:schemeClr val="accent1"/>
+          </a:lnRef>
+          <a:fillRef idx="3">
+            <a:schemeClr val="accent1"/>
+          </a:fillRef>
+          <a:effectRef idx="2">
+            <a:schemeClr val="accent1"/>
+          </a:effectRef>
+          <a:fontRef idx="minor">
+            <a:schemeClr val="lt1"/>
+          </a:fontRef>
+        </p:style>
+        <p:txBody>
+          <a:bodyPr rtlCol="0" anchor="ctr"/>
+          <a:lstStyle/>
+          <a:p>
+            <a:pPr algn="ctr"/>
+            <a:endParaRPr lang="en-US">
+              <a:solidFill>
+                <a:schemeClr val="tx1"/>
+              </a:solidFill>
+            </a:endParaRPr>
+          </a:p>
+        </p:txBody>
+      </p:sp>
+    </p:spTree>
+    <p:extLst>
+      <p:ext uri="{BB962C8B-B14F-4D97-AF65-F5344CB8AC3E}">
+        <p14:creationId xmlns:p14="http://schemas.microsoft.com/office/powerpoint/2010/main" val="3722544959"/>
+      </p:ext>
+    </p:extLst>
+  </p:cSld>
+  <p:clrMapOvr>
+    <a:masterClrMapping/>
+  </p:clrMapOvr>
+</p:sld>
+</file>
+
+<file path=ppt/slides/slide4.xml><?xml version="1.0" encoding="utf-8"?>
+<p:sld xmlns:a="http://schemas.openxmlformats.org/drawingml/2006/main" xmlns:r="http://schemas.openxmlformats.org/officeDocument/2006/relationships" xmlns:p="http://schemas.openxmlformats.org/presentationml/2006/main">
+  <p:cSld>
+    <p:spTree>
+      <p:nvGrpSpPr>
+        <p:cNvPr id="1" name=""/>
+        <p:cNvGrpSpPr/>
+        <p:nvPr/>
+      </p:nvGrpSpPr>
+      <p:grpSpPr>
+        <a:xfrm>
+          <a:off x="0" y="0"/>
+          <a:ext cx="0" cy="0"/>
+          <a:chOff x="0" y="0"/>
+          <a:chExt cx="0" cy="0"/>
+        </a:xfrm>
+      </p:grpSpPr>
+      <p:pic>
+        <p:nvPicPr>
           <p:cNvPr id="21" name="Picture 20" descr="cluster_cu6.tga"/>
           <p:cNvPicPr>
             <a:picLocks noChangeAspect="1"/>
@@ -3591,7 +4352,7 @@
         </p:blipFill>
         <p:spPr>
           <a:xfrm>
-            <a:off x="2589654" y="1441532"/>
+            <a:off x="4837554" y="1810864"/>
             <a:ext cx="1870851" cy="1596144"/>
           </a:xfrm>
           <a:prstGeom prst="rect">
@@ -3604,41 +4365,6 @@
           </a:ln>
         </p:spPr>
       </p:pic>
-      <p:pic>
-        <p:nvPicPr>
-          <p:cNvPr id="20" name="Picture 19" descr="GdMOF.tga"/>
-          <p:cNvPicPr>
-            <a:picLocks noChangeAspect="1"/>
-          </p:cNvPicPr>
-          <p:nvPr/>
-        </p:nvPicPr>
-        <p:blipFill rotWithShape="1">
-          <a:blip r:embed="rId3">
-            <a:extLst>
-              <a:ext uri="{28A0092B-C50C-407E-A947-70E740481C1C}">
-                <a14:useLocalDpi xmlns:a14="http://schemas.microsoft.com/office/drawing/2010/main" val="0"/>
-              </a:ext>
-            </a:extLst>
-          </a:blip>
-          <a:srcRect t="21825" r="38065" b="13518"/>
-          <a:stretch/>
-        </p:blipFill>
-        <p:spPr>
-          <a:xfrm>
-            <a:off x="4675168" y="1441531"/>
-            <a:ext cx="1884729" cy="1595982"/>
-          </a:xfrm>
-          <a:prstGeom prst="rect">
-            <a:avLst/>
-          </a:prstGeom>
-          <a:ln w="12700" cmpd="sng">
-            <a:solidFill>
-              <a:srgbClr val="000000"/>
-            </a:solidFill>
-          </a:ln>
-          <a:effectLst/>
-        </p:spPr>
-      </p:pic>
       <p:sp>
         <p:nvSpPr>
           <p:cNvPr id="4" name="Rectangle 3"/>
@@ -3647,7 +4373,7 @@
         </p:nvSpPr>
         <p:spPr>
           <a:xfrm>
-            <a:off x="566403" y="1441531"/>
+            <a:off x="2814303" y="1810863"/>
             <a:ext cx="1870851" cy="1595982"/>
           </a:xfrm>
           <a:prstGeom prst="rect">
@@ -3689,134 +4415,13 @@
       </p:sp>
       <p:sp>
         <p:nvSpPr>
-          <p:cNvPr id="7" name="Rectangle 6"/>
-          <p:cNvSpPr/>
-          <p:nvPr/>
-        </p:nvSpPr>
-        <p:spPr>
-          <a:xfrm>
-            <a:off x="6726123" y="1441531"/>
-            <a:ext cx="1870851" cy="1595982"/>
-          </a:xfrm>
-          <a:prstGeom prst="rect">
-            <a:avLst/>
-          </a:prstGeom>
-          <a:ln>
-            <a:solidFill>
-              <a:srgbClr val="000000"/>
-            </a:solidFill>
-          </a:ln>
-          <a:effectLst/>
-        </p:spPr>
-        <p:style>
-          <a:lnRef idx="1">
-            <a:schemeClr val="accent1"/>
-          </a:lnRef>
-          <a:fillRef idx="3">
-            <a:schemeClr val="accent1"/>
-          </a:fillRef>
-          <a:effectRef idx="2">
-            <a:schemeClr val="accent1"/>
-          </a:effectRef>
-          <a:fontRef idx="minor">
-            <a:schemeClr val="lt1"/>
-          </a:fontRef>
-        </p:style>
-        <p:txBody>
-          <a:bodyPr rtlCol="0" anchor="ctr"/>
-          <a:lstStyle/>
-          <a:p>
-            <a:pPr algn="ctr"/>
-            <a:endParaRPr lang="en-US" sz="1400">
-              <a:latin typeface="Helvetica"/>
-              <a:cs typeface="Helvetica"/>
-            </a:endParaRPr>
-          </a:p>
-        </p:txBody>
-      </p:sp>
-      <p:cxnSp>
-        <p:nvCxnSpPr>
-          <p:cNvPr id="9" name="Straight Arrow Connector 8"/>
-          <p:cNvCxnSpPr/>
-          <p:nvPr/>
-        </p:nvCxnSpPr>
-        <p:spPr>
-          <a:xfrm>
-            <a:off x="566403" y="1269919"/>
-            <a:ext cx="8064899" cy="0"/>
-          </a:xfrm>
-          <a:prstGeom prst="straightConnector1">
-            <a:avLst/>
-          </a:prstGeom>
-          <a:ln>
-            <a:solidFill>
-              <a:schemeClr val="tx1"/>
-            </a:solidFill>
-            <a:tailEnd type="arrow"/>
-          </a:ln>
-          <a:effectLst/>
-        </p:spPr>
-        <p:style>
-          <a:lnRef idx="2">
-            <a:schemeClr val="accent1"/>
-          </a:lnRef>
-          <a:fillRef idx="0">
-            <a:schemeClr val="accent1"/>
-          </a:fillRef>
-          <a:effectRef idx="1">
-            <a:schemeClr val="accent1"/>
-          </a:effectRef>
-          <a:fontRef idx="minor">
-            <a:schemeClr val="tx1"/>
-          </a:fontRef>
-        </p:style>
-      </p:cxnSp>
-      <p:sp>
-        <p:nvSpPr>
-          <p:cNvPr id="10" name="TextBox 9"/>
-          <p:cNvSpPr txBox="1"/>
-          <p:nvPr/>
-        </p:nvSpPr>
-        <p:spPr>
-          <a:xfrm>
-            <a:off x="3628063" y="954388"/>
-            <a:ext cx="1870851" cy="307777"/>
-          </a:xfrm>
-          <a:prstGeom prst="rect">
-            <a:avLst/>
-          </a:prstGeom>
-          <a:noFill/>
-        </p:spPr>
-        <p:txBody>
-          <a:bodyPr wrap="square" rtlCol="0">
-            <a:spAutoFit/>
-          </a:bodyPr>
-          <a:lstStyle/>
-          <a:p>
-            <a:pPr algn="ctr"/>
-            <a:r>
-              <a:rPr lang="en-US" sz="1400" dirty="0" smtClean="0">
-                <a:latin typeface="Helvetica"/>
-                <a:cs typeface="Helvetica"/>
-              </a:rPr>
-              <a:t>System Size</a:t>
-            </a:r>
-            <a:endParaRPr lang="en-US" sz="1400" dirty="0">
-              <a:latin typeface="Helvetica"/>
-              <a:cs typeface="Helvetica"/>
-            </a:endParaRPr>
-          </a:p>
-        </p:txBody>
-      </p:sp>
-      <p:sp>
-        <p:nvSpPr>
           <p:cNvPr id="13" name="TextBox 12"/>
           <p:cNvSpPr txBox="1"/>
           <p:nvPr/>
         </p:nvSpPr>
         <p:spPr>
           <a:xfrm>
-            <a:off x="566403" y="3102941"/>
+            <a:off x="2814303" y="3472273"/>
             <a:ext cx="1870852" cy="900246"/>
           </a:xfrm>
           <a:prstGeom prst="rect">
@@ -3893,7 +4498,7 @@
         </p:nvSpPr>
         <p:spPr>
           <a:xfrm>
-            <a:off x="2572490" y="3118053"/>
+            <a:off x="4820390" y="3487385"/>
             <a:ext cx="1870851" cy="738664"/>
           </a:xfrm>
           <a:prstGeom prst="rect">
@@ -3923,7 +4528,7 @@
                 <a:latin typeface="Helvetica"/>
                 <a:cs typeface="Helvetica"/>
               </a:rPr>
-              <a:t>Bimetallic SMMs</a:t>
+              <a:t>Multi-metallic SMMs</a:t>
             </a:r>
           </a:p>
           <a:p>
@@ -3933,7 +4538,21 @@
                 <a:latin typeface="Helvetica"/>
                 <a:cs typeface="Helvetica"/>
               </a:rPr>
-              <a:t>Bimetallic catalysts</a:t>
+              <a:t>Multi</a:t>
+            </a:r>
+            <a:r>
+              <a:rPr lang="en-US" sz="1050" dirty="0">
+                <a:latin typeface="Helvetica"/>
+                <a:cs typeface="Helvetica"/>
+              </a:rPr>
+              <a:t>-metallic </a:t>
+            </a:r>
+            <a:r>
+              <a:rPr lang="en-US" sz="1050" dirty="0" smtClean="0">
+                <a:latin typeface="Helvetica"/>
+                <a:cs typeface="Helvetica"/>
+              </a:rPr>
+              <a:t>catalysts</a:t>
             </a:r>
           </a:p>
           <a:p>
@@ -3952,120 +4571,6 @@
           </a:p>
         </p:txBody>
       </p:sp>
-      <p:sp>
-        <p:nvSpPr>
-          <p:cNvPr id="15" name="TextBox 14"/>
-          <p:cNvSpPr txBox="1"/>
-          <p:nvPr/>
-        </p:nvSpPr>
-        <p:spPr>
-          <a:xfrm>
-            <a:off x="4713807" y="3100892"/>
-            <a:ext cx="1806351" cy="577081"/>
-          </a:xfrm>
-          <a:prstGeom prst="rect">
-            <a:avLst/>
-          </a:prstGeom>
-          <a:noFill/>
-        </p:spPr>
-        <p:txBody>
-          <a:bodyPr wrap="square" rtlCol="0">
-            <a:spAutoFit/>
-          </a:bodyPr>
-          <a:lstStyle/>
-          <a:p>
-            <a:pPr algn="ctr"/>
-            <a:r>
-              <a:rPr lang="en-US" sz="1050" dirty="0" smtClean="0">
-                <a:latin typeface="Helvetica"/>
-                <a:cs typeface="Helvetica"/>
-              </a:rPr>
-              <a:t>Luminescent MOFs</a:t>
-            </a:r>
-          </a:p>
-          <a:p>
-            <a:pPr algn="ctr"/>
-            <a:r>
-              <a:rPr lang="en-US" sz="1050" dirty="0" smtClean="0">
-                <a:latin typeface="Helvetica"/>
-                <a:cs typeface="Helvetica"/>
-              </a:rPr>
-              <a:t>Photocatalytic MOFs</a:t>
-            </a:r>
-          </a:p>
-          <a:p>
-            <a:pPr algn="ctr"/>
-            <a:r>
-              <a:rPr lang="en-US" sz="1050" dirty="0" smtClean="0">
-                <a:latin typeface="Helvetica"/>
-                <a:cs typeface="Helvetica"/>
-              </a:rPr>
-              <a:t>MOFs as Sensors</a:t>
-            </a:r>
-            <a:endParaRPr lang="en-US" sz="1050" dirty="0">
-              <a:latin typeface="Helvetica"/>
-              <a:cs typeface="Helvetica"/>
-            </a:endParaRPr>
-          </a:p>
-        </p:txBody>
-      </p:sp>
-      <p:sp>
-        <p:nvSpPr>
-          <p:cNvPr id="16" name="TextBox 15"/>
-          <p:cNvSpPr txBox="1"/>
-          <p:nvPr/>
-        </p:nvSpPr>
-        <p:spPr>
-          <a:xfrm>
-            <a:off x="6726123" y="3110736"/>
-            <a:ext cx="1870851" cy="577081"/>
-          </a:xfrm>
-          <a:prstGeom prst="rect">
-            <a:avLst/>
-          </a:prstGeom>
-          <a:noFill/>
-        </p:spPr>
-        <p:txBody>
-          <a:bodyPr wrap="square" rtlCol="0">
-            <a:spAutoFit/>
-          </a:bodyPr>
-          <a:lstStyle/>
-          <a:p>
-            <a:pPr algn="ctr"/>
-            <a:r>
-              <a:rPr lang="en-US" sz="1050" dirty="0" smtClean="0">
-                <a:latin typeface="Helvetica"/>
-                <a:cs typeface="Helvetica"/>
-              </a:rPr>
-              <a:t>Nanowires</a:t>
-            </a:r>
-          </a:p>
-          <a:p>
-            <a:pPr algn="ctr"/>
-            <a:r>
-              <a:rPr lang="en-US" sz="1050" dirty="0" smtClean="0">
-                <a:latin typeface="Helvetica"/>
-                <a:cs typeface="Helvetica"/>
-              </a:rPr>
-              <a:t>Molecules on Surfaces</a:t>
-            </a:r>
-          </a:p>
-          <a:p>
-            <a:pPr algn="ctr"/>
-            <a:r>
-              <a:rPr lang="en-US" sz="1050" dirty="0" smtClean="0">
-                <a:latin typeface="Helvetica"/>
-                <a:cs typeface="Helvetica"/>
-              </a:rPr>
-              <a:t>Defect Sites</a:t>
-            </a:r>
-            <a:endParaRPr lang="en-US" sz="1050" dirty="0">
-              <a:latin typeface="Helvetica"/>
-              <a:cs typeface="Helvetica"/>
-            </a:endParaRPr>
-          </a:p>
-        </p:txBody>
-      </p:sp>
       <p:grpSp>
         <p:nvGrpSpPr>
           <p:cNvPr id="24" name="Group 23"/>
@@ -4074,7 +4579,7 @@
         </p:nvGrpSpPr>
         <p:grpSpPr>
           <a:xfrm>
-            <a:off x="685511" y="1488239"/>
+            <a:off x="2933411" y="1857571"/>
             <a:ext cx="1634357" cy="1492029"/>
             <a:chOff x="596900" y="1677584"/>
             <a:chExt cx="2941409" cy="2406302"/>
@@ -4089,7 +4594,7 @@
             <p:nvPr/>
           </p:nvPicPr>
           <p:blipFill>
-            <a:blip r:embed="rId4">
+            <a:blip r:embed="rId3">
               <a:extLst>
                 <a:ext uri="{28A0092B-C50C-407E-A947-70E740481C1C}">
                   <a14:useLocalDpi xmlns:a14="http://schemas.microsoft.com/office/drawing/2010/main" val="0"/>
@@ -4241,7 +4746,7 @@
 </p:sld>
 </file>
 
-<file path=ppt/slides/slide3.xml><?xml version="1.0" encoding="utf-8"?>
+<file path=ppt/slides/slide5.xml><?xml version="1.0" encoding="utf-8"?>
 <p:sld xmlns:a="http://schemas.openxmlformats.org/drawingml/2006/main" xmlns:r="http://schemas.openxmlformats.org/officeDocument/2006/relationships" xmlns:p="http://schemas.openxmlformats.org/presentationml/2006/main">
   <p:cSld>
     <p:spTree>
@@ -4258,9 +4763,502 @@
           <a:chExt cx="0" cy="0"/>
         </a:xfrm>
       </p:grpSpPr>
+      <p:sp>
+        <p:nvSpPr>
+          <p:cNvPr id="4" name="Rectangle 3"/>
+          <p:cNvSpPr/>
+          <p:nvPr/>
+        </p:nvSpPr>
+        <p:spPr>
+          <a:xfrm>
+            <a:off x="2033066" y="2534943"/>
+            <a:ext cx="1870851" cy="1595982"/>
+          </a:xfrm>
+          <a:prstGeom prst="rect">
+            <a:avLst/>
+          </a:prstGeom>
+          <a:noFill/>
+          <a:ln>
+            <a:solidFill>
+              <a:srgbClr val="000000"/>
+            </a:solidFill>
+          </a:ln>
+          <a:effectLst>
+            <a:outerShdw blurRad="50800" dist="38100" dir="2700000" algn="tl" rotWithShape="0">
+              <a:prstClr val="black">
+                <a:alpha val="40000"/>
+              </a:prstClr>
+            </a:outerShdw>
+          </a:effectLst>
+        </p:spPr>
+        <p:style>
+          <a:lnRef idx="1">
+            <a:schemeClr val="accent1"/>
+          </a:lnRef>
+          <a:fillRef idx="3">
+            <a:schemeClr val="accent1"/>
+          </a:fillRef>
+          <a:effectRef idx="2">
+            <a:schemeClr val="accent1"/>
+          </a:effectRef>
+          <a:fontRef idx="minor">
+            <a:schemeClr val="lt1"/>
+          </a:fontRef>
+        </p:style>
+        <p:txBody>
+          <a:bodyPr rtlCol="0" anchor="ctr"/>
+          <a:lstStyle/>
+          <a:p>
+            <a:pPr algn="ctr"/>
+            <a:endParaRPr lang="en-US" sz="1400">
+              <a:latin typeface="Helvetica"/>
+              <a:cs typeface="Helvetica"/>
+            </a:endParaRPr>
+          </a:p>
+        </p:txBody>
+      </p:sp>
+      <p:sp>
+        <p:nvSpPr>
+          <p:cNvPr id="13" name="TextBox 12"/>
+          <p:cNvSpPr txBox="1"/>
+          <p:nvPr/>
+        </p:nvSpPr>
+        <p:spPr>
+          <a:xfrm>
+            <a:off x="2033066" y="2519831"/>
+            <a:ext cx="1870852" cy="1061829"/>
+          </a:xfrm>
+          <a:prstGeom prst="rect">
+            <a:avLst/>
+          </a:prstGeom>
+          <a:noFill/>
+        </p:spPr>
+        <p:txBody>
+          <a:bodyPr wrap="square" rtlCol="0">
+            <a:spAutoFit/>
+          </a:bodyPr>
+          <a:lstStyle/>
+          <a:p>
+            <a:pPr algn="ctr"/>
+            <a:r>
+              <a:rPr lang="en-US" sz="1050" b="1" dirty="0" smtClean="0">
+                <a:latin typeface="Helvetica"/>
+                <a:cs typeface="Helvetica"/>
+              </a:rPr>
+              <a:t>Quantum Chemical System </a:t>
+            </a:r>
+            <a:endParaRPr lang="en-US" sz="1050" dirty="0" smtClean="0">
+              <a:latin typeface="Helvetica"/>
+              <a:cs typeface="Helvetica"/>
+            </a:endParaRPr>
+          </a:p>
+          <a:p>
+            <a:pPr algn="ctr"/>
+            <a:endParaRPr lang="en-US" sz="1050" dirty="0">
+              <a:latin typeface="Helvetica"/>
+              <a:cs typeface="Helvetica"/>
+            </a:endParaRPr>
+          </a:p>
+          <a:p>
+            <a:pPr algn="ctr"/>
+            <a:endParaRPr lang="en-US" sz="1050" dirty="0">
+              <a:latin typeface="Helvetica"/>
+              <a:cs typeface="Helvetica"/>
+            </a:endParaRPr>
+          </a:p>
+          <a:p>
+            <a:pPr algn="ctr"/>
+            <a:r>
+              <a:rPr lang="en-US" sz="1050" dirty="0" smtClean="0">
+                <a:latin typeface="Helvetica"/>
+                <a:cs typeface="Helvetica"/>
+              </a:rPr>
+              <a:t>Calculate the interaction energy</a:t>
+            </a:r>
+          </a:p>
+        </p:txBody>
+      </p:sp>
+      <p:sp>
+        <p:nvSpPr>
+          <p:cNvPr id="14" name="TextBox 13"/>
+          <p:cNvSpPr txBox="1"/>
+          <p:nvPr/>
+        </p:nvSpPr>
+        <p:spPr>
+          <a:xfrm>
+            <a:off x="4033537" y="2534943"/>
+            <a:ext cx="1870851" cy="738664"/>
+          </a:xfrm>
+          <a:prstGeom prst="rect">
+            <a:avLst/>
+          </a:prstGeom>
+          <a:noFill/>
+        </p:spPr>
+        <p:txBody>
+          <a:bodyPr wrap="square" rtlCol="0">
+            <a:spAutoFit/>
+          </a:bodyPr>
+          <a:lstStyle/>
+          <a:p>
+            <a:pPr algn="ctr"/>
+            <a:r>
+              <a:rPr lang="en-US" sz="1050" b="1" dirty="0" smtClean="0">
+                <a:latin typeface="Helvetica"/>
+                <a:cs typeface="Helvetica"/>
+              </a:rPr>
+              <a:t>Fit to a Force Field</a:t>
+            </a:r>
+          </a:p>
+          <a:p>
+            <a:pPr algn="ctr"/>
+            <a:endParaRPr lang="en-US" sz="1050" dirty="0" smtClean="0">
+              <a:latin typeface="Helvetica"/>
+              <a:cs typeface="Helvetica"/>
+            </a:endParaRPr>
+          </a:p>
+          <a:p>
+            <a:pPr algn="ctr"/>
+            <a:endParaRPr lang="en-US" sz="1050" dirty="0">
+              <a:latin typeface="Helvetica"/>
+              <a:cs typeface="Helvetica"/>
+            </a:endParaRPr>
+          </a:p>
+          <a:p>
+            <a:pPr algn="ctr"/>
+            <a:r>
+              <a:rPr lang="en-US" sz="1050" dirty="0" smtClean="0">
+                <a:latin typeface="Helvetica"/>
+                <a:cs typeface="Helvetica"/>
+              </a:rPr>
+              <a:t>Code to stream-line process</a:t>
+            </a:r>
+            <a:endParaRPr lang="en-US" sz="1050" dirty="0">
+              <a:latin typeface="Helvetica"/>
+              <a:cs typeface="Helvetica"/>
+            </a:endParaRPr>
+          </a:p>
+        </p:txBody>
+      </p:sp>
+      <p:sp>
+        <p:nvSpPr>
+          <p:cNvPr id="15" name="TextBox 14"/>
+          <p:cNvSpPr txBox="1"/>
+          <p:nvPr/>
+        </p:nvSpPr>
+        <p:spPr>
+          <a:xfrm>
+            <a:off x="6089669" y="2534943"/>
+            <a:ext cx="1870851" cy="1384995"/>
+          </a:xfrm>
+          <a:prstGeom prst="rect">
+            <a:avLst/>
+          </a:prstGeom>
+          <a:noFill/>
+        </p:spPr>
+        <p:txBody>
+          <a:bodyPr wrap="square" rtlCol="0">
+            <a:spAutoFit/>
+          </a:bodyPr>
+          <a:lstStyle/>
+          <a:p>
+            <a:pPr algn="ctr"/>
+            <a:r>
+              <a:rPr lang="en-US" sz="1050" b="1" dirty="0" smtClean="0">
+                <a:latin typeface="Helvetica"/>
+                <a:cs typeface="Helvetica"/>
+              </a:rPr>
+              <a:t>Run simulations for </a:t>
+            </a:r>
+          </a:p>
+          <a:p>
+            <a:pPr algn="ctr"/>
+            <a:r>
+              <a:rPr lang="en-US" sz="1050" b="1" dirty="0" smtClean="0">
+                <a:latin typeface="Helvetica"/>
+                <a:cs typeface="Helvetica"/>
+              </a:rPr>
+              <a:t>pristine and </a:t>
+            </a:r>
+            <a:r>
+              <a:rPr lang="en-US" sz="1050" b="1" dirty="0" err="1" smtClean="0">
+                <a:latin typeface="Helvetica"/>
+                <a:cs typeface="Helvetica"/>
+              </a:rPr>
+              <a:t>NanoMOFs</a:t>
+            </a:r>
+            <a:endParaRPr lang="en-US" sz="1050" b="1" dirty="0" smtClean="0">
+              <a:latin typeface="Helvetica"/>
+              <a:cs typeface="Helvetica"/>
+            </a:endParaRPr>
+          </a:p>
+          <a:p>
+            <a:pPr algn="ctr"/>
+            <a:endParaRPr lang="en-US" sz="1050" dirty="0" smtClean="0">
+              <a:latin typeface="Helvetica"/>
+              <a:cs typeface="Helvetica"/>
+            </a:endParaRPr>
+          </a:p>
+          <a:p>
+            <a:pPr algn="ctr"/>
+            <a:endParaRPr lang="en-US" sz="1050" dirty="0" smtClean="0">
+              <a:latin typeface="Helvetica"/>
+              <a:cs typeface="Helvetica"/>
+            </a:endParaRPr>
+          </a:p>
+          <a:p>
+            <a:pPr algn="ctr"/>
+            <a:r>
+              <a:rPr lang="en-US" sz="1050" dirty="0" smtClean="0">
+                <a:latin typeface="Helvetica"/>
+                <a:cs typeface="Helvetica"/>
+              </a:rPr>
+              <a:t>Calculate Properties</a:t>
+            </a:r>
+          </a:p>
+          <a:p>
+            <a:pPr algn="ctr"/>
+            <a:endParaRPr lang="en-US" sz="1050" dirty="0" smtClean="0">
+              <a:latin typeface="Helvetica"/>
+              <a:cs typeface="Helvetica"/>
+            </a:endParaRPr>
+          </a:p>
+          <a:p>
+            <a:pPr algn="ctr"/>
+            <a:r>
+              <a:rPr lang="en-US" sz="1050" dirty="0" smtClean="0">
+                <a:latin typeface="Helvetica"/>
+                <a:cs typeface="Helvetica"/>
+              </a:rPr>
+              <a:t>Return to fitting </a:t>
+            </a:r>
+          </a:p>
+          <a:p>
+            <a:pPr algn="ctr"/>
+            <a:r>
+              <a:rPr lang="en-US" sz="1050" dirty="0" smtClean="0">
+                <a:latin typeface="Helvetica"/>
+                <a:cs typeface="Helvetica"/>
+              </a:rPr>
+              <a:t>if not converged</a:t>
+            </a:r>
+            <a:endParaRPr lang="en-US" sz="1050" dirty="0">
+              <a:latin typeface="Helvetica"/>
+              <a:cs typeface="Helvetica"/>
+            </a:endParaRPr>
+          </a:p>
+        </p:txBody>
+      </p:sp>
+      <p:sp>
+        <p:nvSpPr>
+          <p:cNvPr id="11" name="Rectangle 10"/>
+          <p:cNvSpPr/>
+          <p:nvPr/>
+        </p:nvSpPr>
+        <p:spPr>
+          <a:xfrm>
+            <a:off x="4052499" y="2534943"/>
+            <a:ext cx="1870851" cy="1595982"/>
+          </a:xfrm>
+          <a:prstGeom prst="rect">
+            <a:avLst/>
+          </a:prstGeom>
+          <a:noFill/>
+          <a:ln>
+            <a:solidFill>
+              <a:srgbClr val="000000"/>
+            </a:solidFill>
+          </a:ln>
+          <a:effectLst>
+            <a:outerShdw blurRad="50800" dist="38100" dir="2700000" algn="tl" rotWithShape="0">
+              <a:prstClr val="black">
+                <a:alpha val="40000"/>
+              </a:prstClr>
+            </a:outerShdw>
+          </a:effectLst>
+        </p:spPr>
+        <p:style>
+          <a:lnRef idx="1">
+            <a:schemeClr val="accent1"/>
+          </a:lnRef>
+          <a:fillRef idx="3">
+            <a:schemeClr val="accent1"/>
+          </a:fillRef>
+          <a:effectRef idx="2">
+            <a:schemeClr val="accent1"/>
+          </a:effectRef>
+          <a:fontRef idx="minor">
+            <a:schemeClr val="lt1"/>
+          </a:fontRef>
+        </p:style>
+        <p:txBody>
+          <a:bodyPr rtlCol="0" anchor="ctr"/>
+          <a:lstStyle/>
+          <a:p>
+            <a:pPr algn="ctr"/>
+            <a:endParaRPr lang="en-US" sz="1400">
+              <a:latin typeface="Helvetica"/>
+              <a:cs typeface="Helvetica"/>
+            </a:endParaRPr>
+          </a:p>
+        </p:txBody>
+      </p:sp>
+      <p:sp>
+        <p:nvSpPr>
+          <p:cNvPr id="12" name="Rectangle 11"/>
+          <p:cNvSpPr/>
+          <p:nvPr/>
+        </p:nvSpPr>
+        <p:spPr>
+          <a:xfrm>
+            <a:off x="6089669" y="2534943"/>
+            <a:ext cx="1870851" cy="1595982"/>
+          </a:xfrm>
+          <a:prstGeom prst="rect">
+            <a:avLst/>
+          </a:prstGeom>
+          <a:noFill/>
+          <a:ln>
+            <a:solidFill>
+              <a:srgbClr val="000000"/>
+            </a:solidFill>
+          </a:ln>
+          <a:effectLst>
+            <a:outerShdw blurRad="50800" dist="38100" dir="2700000" algn="tl" rotWithShape="0">
+              <a:prstClr val="black">
+                <a:alpha val="40000"/>
+              </a:prstClr>
+            </a:outerShdw>
+          </a:effectLst>
+        </p:spPr>
+        <p:style>
+          <a:lnRef idx="1">
+            <a:schemeClr val="accent1"/>
+          </a:lnRef>
+          <a:fillRef idx="3">
+            <a:schemeClr val="accent1"/>
+          </a:fillRef>
+          <a:effectRef idx="2">
+            <a:schemeClr val="accent1"/>
+          </a:effectRef>
+          <a:fontRef idx="minor">
+            <a:schemeClr val="lt1"/>
+          </a:fontRef>
+        </p:style>
+        <p:txBody>
+          <a:bodyPr rtlCol="0" anchor="ctr"/>
+          <a:lstStyle/>
+          <a:p>
+            <a:pPr algn="ctr"/>
+            <a:endParaRPr lang="en-US" sz="1400">
+              <a:latin typeface="Helvetica"/>
+              <a:cs typeface="Helvetica"/>
+            </a:endParaRPr>
+          </a:p>
+        </p:txBody>
+      </p:sp>
+      <p:sp>
+        <p:nvSpPr>
+          <p:cNvPr id="8" name="Curved Down Arrow 7"/>
+          <p:cNvSpPr/>
+          <p:nvPr/>
+        </p:nvSpPr>
+        <p:spPr>
+          <a:xfrm rot="10800000">
+            <a:off x="3119692" y="4316343"/>
+            <a:ext cx="3750640" cy="799764"/>
+          </a:xfrm>
+          <a:prstGeom prst="curvedDownArrow">
+            <a:avLst/>
+          </a:prstGeom>
+          <a:solidFill>
+            <a:schemeClr val="tx1"/>
+          </a:solidFill>
+          <a:ln>
+            <a:solidFill>
+              <a:schemeClr val="tx1"/>
+            </a:solidFill>
+          </a:ln>
+        </p:spPr>
+        <p:style>
+          <a:lnRef idx="1">
+            <a:schemeClr val="accent1"/>
+          </a:lnRef>
+          <a:fillRef idx="3">
+            <a:schemeClr val="accent1"/>
+          </a:fillRef>
+          <a:effectRef idx="2">
+            <a:schemeClr val="accent1"/>
+          </a:effectRef>
+          <a:fontRef idx="minor">
+            <a:schemeClr val="lt1"/>
+          </a:fontRef>
+        </p:style>
+        <p:txBody>
+          <a:bodyPr rtlCol="0" anchor="ctr"/>
+          <a:lstStyle/>
+          <a:p>
+            <a:pPr algn="ctr"/>
+            <a:endParaRPr lang="en-US">
+              <a:solidFill>
+                <a:schemeClr val="tx1"/>
+              </a:solidFill>
+            </a:endParaRPr>
+          </a:p>
+        </p:txBody>
+      </p:sp>
+      <p:sp>
+        <p:nvSpPr>
+          <p:cNvPr id="9" name="Curved Down Arrow 8"/>
+          <p:cNvSpPr/>
+          <p:nvPr/>
+        </p:nvSpPr>
+        <p:spPr>
+          <a:xfrm>
+            <a:off x="3119692" y="1568437"/>
+            <a:ext cx="3750640" cy="799764"/>
+          </a:xfrm>
+          <a:prstGeom prst="curvedDownArrow">
+            <a:avLst/>
+          </a:prstGeom>
+          <a:solidFill>
+            <a:schemeClr val="tx1"/>
+          </a:solidFill>
+          <a:ln>
+            <a:solidFill>
+              <a:schemeClr val="tx1"/>
+            </a:solidFill>
+          </a:ln>
+        </p:spPr>
+        <p:style>
+          <a:lnRef idx="1">
+            <a:schemeClr val="accent1"/>
+          </a:lnRef>
+          <a:fillRef idx="3">
+            <a:schemeClr val="accent1"/>
+          </a:fillRef>
+          <a:effectRef idx="2">
+            <a:schemeClr val="accent1"/>
+          </a:effectRef>
+          <a:fontRef idx="minor">
+            <a:schemeClr val="lt1"/>
+          </a:fontRef>
+        </p:style>
+        <p:txBody>
+          <a:bodyPr rtlCol="0" anchor="ctr"/>
+          <a:lstStyle/>
+          <a:p>
+            <a:pPr algn="ctr"/>
+            <a:endParaRPr lang="en-US">
+              <a:solidFill>
+                <a:schemeClr val="tx1"/>
+              </a:solidFill>
+            </a:endParaRPr>
+          </a:p>
+        </p:txBody>
+      </p:sp>
       <p:pic>
         <p:nvPicPr>
-          <p:cNvPr id="4" name="Picture 3" descr="delta2.tiff"/>
+          <p:cNvPr id="10" name="Picture 9" descr="L.gif"/>
           <p:cNvPicPr>
             <a:picLocks noChangeAspect="1"/>
           </p:cNvPicPr>
@@ -4279,655 +5277,86 @@
           </a:stretch>
         </p:blipFill>
         <p:spPr>
-          <a:xfrm rot="11132795" flipH="1">
-            <a:off x="6654657" y="2656930"/>
-            <a:ext cx="697717" cy="642322"/>
+          <a:xfrm>
+            <a:off x="2224026" y="3741582"/>
+            <a:ext cx="132109" cy="130046"/>
           </a:xfrm>
           <a:prstGeom prst="rect">
             <a:avLst/>
           </a:prstGeom>
         </p:spPr>
       </p:pic>
-      <p:sp>
-        <p:nvSpPr>
-          <p:cNvPr id="31" name="TextBox 30"/>
-          <p:cNvSpPr txBox="1"/>
-          <p:nvPr/>
-        </p:nvSpPr>
+      <p:pic>
+        <p:nvPicPr>
+          <p:cNvPr id="16" name="Picture 15" descr="linker.tga"/>
+          <p:cNvPicPr>
+            <a:picLocks noChangeAspect="1"/>
+          </p:cNvPicPr>
+          <p:nvPr/>
+        </p:nvPicPr>
+        <p:blipFill rotWithShape="1">
+          <a:blip r:embed="rId3">
+            <a:extLst>
+              <a:ext uri="{28A0092B-C50C-407E-A947-70E740481C1C}">
+                <a14:useLocalDpi xmlns:a14="http://schemas.microsoft.com/office/drawing/2010/main" val="0"/>
+              </a:ext>
+            </a:extLst>
+          </a:blip>
+          <a:srcRect l="17274" t="31112" r="17836" b="32221"/>
+          <a:stretch/>
+        </p:blipFill>
         <p:spPr>
           <a:xfrm>
-            <a:off x="292569" y="2423083"/>
-            <a:ext cx="2772359" cy="577081"/>
+            <a:off x="2827592" y="3585767"/>
+            <a:ext cx="957008" cy="438629"/>
           </a:xfrm>
           <a:prstGeom prst="rect">
             <a:avLst/>
           </a:prstGeom>
-          <a:noFill/>
-          <a:ln>
+        </p:spPr>
+      </p:pic>
+      <p:cxnSp>
+        <p:nvCxnSpPr>
+          <p:cNvPr id="3" name="Straight Arrow Connector 2"/>
+          <p:cNvCxnSpPr/>
+          <p:nvPr/>
+        </p:nvCxnSpPr>
+        <p:spPr>
+          <a:xfrm>
+            <a:off x="2394235" y="3795713"/>
+            <a:ext cx="450565" cy="0"/>
+          </a:xfrm>
+          <a:prstGeom prst="straightConnector1">
+            <a:avLst/>
+          </a:prstGeom>
+          <a:ln w="12700" cap="flat">
             <a:solidFill>
-              <a:schemeClr val="tx1"/>
+              <a:srgbClr val="000000"/>
             </a:solidFill>
-          </a:ln>
-        </p:spPr>
-        <p:txBody>
-          <a:bodyPr wrap="square" rtlCol="0">
-            <a:spAutoFit/>
-          </a:bodyPr>
-          <a:lstStyle/>
-          <a:p>
-            <a:r>
-              <a:rPr lang="en-US" sz="1050" dirty="0" smtClean="0">
-                <a:latin typeface="Helvetica"/>
-                <a:cs typeface="Helvetica"/>
-              </a:rPr>
-              <a:t>   = N, P, and O donating ligands</a:t>
-            </a:r>
-          </a:p>
-          <a:p>
-            <a:endParaRPr lang="en-US" sz="1050" dirty="0">
-              <a:latin typeface="Helvetica"/>
-              <a:cs typeface="Helvetica"/>
-            </a:endParaRPr>
-          </a:p>
-          <a:p>
-            <a:r>
-              <a:rPr lang="en-US" sz="1050" dirty="0" smtClean="0">
-                <a:latin typeface="Helvetica"/>
-                <a:cs typeface="Helvetica"/>
-              </a:rPr>
-              <a:t>X = arenes, N, O, and functionalized arenes</a:t>
-            </a:r>
-          </a:p>
-        </p:txBody>
-      </p:sp>
-      <p:sp>
-        <p:nvSpPr>
-          <p:cNvPr id="13" name="TextBox 12"/>
-          <p:cNvSpPr txBox="1"/>
-          <p:nvPr/>
-        </p:nvSpPr>
-        <p:spPr>
-          <a:xfrm>
-            <a:off x="169333" y="3102941"/>
-            <a:ext cx="3022600" cy="1708160"/>
-          </a:xfrm>
-          <a:prstGeom prst="rect">
-            <a:avLst/>
-          </a:prstGeom>
-          <a:noFill/>
-        </p:spPr>
-        <p:txBody>
-          <a:bodyPr wrap="square" rtlCol="0">
-            <a:spAutoFit/>
-          </a:bodyPr>
-          <a:lstStyle/>
-          <a:p>
-            <a:pPr algn="ctr"/>
-            <a:r>
-              <a:rPr lang="en-US" sz="1050" b="1" dirty="0" smtClean="0">
-                <a:latin typeface="Helvetica"/>
-                <a:cs typeface="Helvetica"/>
-              </a:rPr>
-              <a:t>All molecules:</a:t>
-            </a:r>
-          </a:p>
-          <a:p>
-            <a:pPr algn="ctr"/>
-            <a:r>
-              <a:rPr lang="en-US" sz="1050" dirty="0" smtClean="0">
-                <a:latin typeface="Helvetica"/>
-                <a:cs typeface="Helvetica"/>
-              </a:rPr>
-              <a:t>DFT Geometry optimizations</a:t>
-            </a:r>
-          </a:p>
-          <a:p>
-            <a:pPr algn="ctr"/>
-            <a:endParaRPr lang="en-US" sz="1050" dirty="0">
-              <a:latin typeface="Helvetica"/>
-              <a:cs typeface="Helvetica"/>
-            </a:endParaRPr>
-          </a:p>
-          <a:p>
-            <a:pPr algn="ctr"/>
-            <a:r>
-              <a:rPr lang="en-US" sz="1050" b="1" dirty="0" smtClean="0">
-                <a:latin typeface="Helvetica"/>
-                <a:cs typeface="Helvetica"/>
-              </a:rPr>
-              <a:t>Molecules where lowest energy states with DFT are within 3 kcal/</a:t>
-            </a:r>
-            <a:r>
-              <a:rPr lang="en-US" sz="1050" b="1" dirty="0" err="1" smtClean="0">
-                <a:latin typeface="Helvetica"/>
-                <a:cs typeface="Helvetica"/>
-              </a:rPr>
-              <a:t>mol</a:t>
-            </a:r>
-            <a:r>
-              <a:rPr lang="en-US" sz="1050" b="1" dirty="0" smtClean="0">
-                <a:latin typeface="Helvetica"/>
-                <a:cs typeface="Helvetica"/>
-              </a:rPr>
-              <a:t>:</a:t>
-            </a:r>
-          </a:p>
-          <a:p>
-            <a:pPr algn="ctr"/>
-            <a:r>
-              <a:rPr lang="en-US" sz="1050" dirty="0" smtClean="0">
-                <a:latin typeface="Helvetica"/>
-                <a:cs typeface="Helvetica"/>
-              </a:rPr>
-              <a:t>CASSCF/CASPT2</a:t>
-            </a:r>
-          </a:p>
-          <a:p>
-            <a:pPr algn="ctr"/>
-            <a:endParaRPr lang="en-US" sz="1050" dirty="0">
-              <a:latin typeface="Helvetica"/>
-              <a:cs typeface="Helvetica"/>
-            </a:endParaRPr>
-          </a:p>
-          <a:p>
-            <a:pPr algn="ctr"/>
-            <a:r>
-              <a:rPr lang="en-US" sz="1050" b="1" dirty="0">
-                <a:latin typeface="Helvetica"/>
-                <a:cs typeface="Helvetica"/>
-              </a:rPr>
-              <a:t>Molecules where lowest energy states with </a:t>
-            </a:r>
-            <a:r>
-              <a:rPr lang="en-US" sz="1050" b="1" dirty="0" smtClean="0">
-                <a:latin typeface="Helvetica"/>
-                <a:cs typeface="Helvetica"/>
-              </a:rPr>
-              <a:t>CASPT2 are </a:t>
-            </a:r>
-            <a:r>
-              <a:rPr lang="en-US" sz="1050" b="1" dirty="0">
-                <a:latin typeface="Helvetica"/>
-                <a:cs typeface="Helvetica"/>
-              </a:rPr>
-              <a:t>within 3 kcal/</a:t>
-            </a:r>
-            <a:r>
-              <a:rPr lang="en-US" sz="1050" b="1" dirty="0" err="1">
-                <a:latin typeface="Helvetica"/>
-                <a:cs typeface="Helvetica"/>
-              </a:rPr>
-              <a:t>mol</a:t>
-            </a:r>
-            <a:r>
-              <a:rPr lang="en-US" sz="1050" b="1" dirty="0">
-                <a:latin typeface="Helvetica"/>
-                <a:cs typeface="Helvetica"/>
-              </a:rPr>
-              <a:t>:</a:t>
-            </a:r>
-          </a:p>
-          <a:p>
-            <a:pPr algn="ctr"/>
-            <a:r>
-              <a:rPr lang="en-US" sz="1050" dirty="0" smtClean="0">
-                <a:latin typeface="Helvetica"/>
-                <a:cs typeface="Helvetica"/>
-              </a:rPr>
-              <a:t>Relativistic CASSCF</a:t>
-            </a:r>
-            <a:r>
-              <a:rPr lang="en-US" sz="1050" dirty="0">
-                <a:latin typeface="Helvetica"/>
-                <a:cs typeface="Helvetica"/>
-              </a:rPr>
-              <a:t>/</a:t>
-            </a:r>
-            <a:r>
-              <a:rPr lang="en-US" sz="1050" dirty="0" smtClean="0">
-                <a:latin typeface="Helvetica"/>
-                <a:cs typeface="Helvetica"/>
-              </a:rPr>
-              <a:t>CASPT2 or</a:t>
-            </a:r>
-            <a:r>
-              <a:rPr lang="en-US" sz="1050" dirty="0">
-                <a:latin typeface="Helvetica"/>
-                <a:cs typeface="Helvetica"/>
-              </a:rPr>
-              <a:t> </a:t>
-            </a:r>
-            <a:r>
-              <a:rPr lang="en-US" sz="1050" dirty="0" smtClean="0">
-                <a:latin typeface="Helvetica"/>
-                <a:cs typeface="Helvetica"/>
-              </a:rPr>
-              <a:t>SO-CASPT2</a:t>
-            </a:r>
-          </a:p>
-        </p:txBody>
-      </p:sp>
-      <p:grpSp>
-        <p:nvGrpSpPr>
-          <p:cNvPr id="8" name="Group 7"/>
-          <p:cNvGrpSpPr/>
-          <p:nvPr/>
-        </p:nvGrpSpPr>
-        <p:grpSpPr>
-          <a:xfrm>
-            <a:off x="316457" y="1334108"/>
-            <a:ext cx="2740004" cy="1004572"/>
-            <a:chOff x="324924" y="1334108"/>
-            <a:chExt cx="2740004" cy="1004572"/>
-          </a:xfrm>
-        </p:grpSpPr>
-        <p:grpSp>
-          <p:nvGrpSpPr>
-            <p:cNvPr id="6" name="Group 5"/>
-            <p:cNvGrpSpPr/>
-            <p:nvPr/>
-          </p:nvGrpSpPr>
-          <p:grpSpPr>
-            <a:xfrm>
-              <a:off x="324924" y="1512439"/>
-              <a:ext cx="1143001" cy="642322"/>
-              <a:chOff x="324924" y="1512439"/>
-              <a:chExt cx="1143001" cy="642322"/>
-            </a:xfrm>
-          </p:grpSpPr>
-          <p:sp>
-            <p:nvSpPr>
-              <p:cNvPr id="2" name="TextBox 1"/>
-              <p:cNvSpPr txBox="1"/>
-              <p:nvPr/>
-            </p:nvSpPr>
-            <p:spPr>
-              <a:xfrm>
-                <a:off x="521179" y="1643101"/>
-                <a:ext cx="742023" cy="369332"/>
-              </a:xfrm>
-              <a:prstGeom prst="rect">
-                <a:avLst/>
-              </a:prstGeom>
-              <a:noFill/>
-            </p:spPr>
-            <p:txBody>
-              <a:bodyPr wrap="none" rtlCol="0">
-                <a:spAutoFit/>
-              </a:bodyPr>
-              <a:lstStyle/>
-              <a:p>
-                <a:r>
-                  <a:rPr lang="en-US" dirty="0" smtClean="0"/>
-                  <a:t>U-X-U</a:t>
-                </a:r>
-                <a:endParaRPr lang="en-US" dirty="0"/>
-              </a:p>
-            </p:txBody>
-          </p:sp>
-          <p:sp>
-            <p:nvSpPr>
-              <p:cNvPr id="3" name="Block Arc 2"/>
-              <p:cNvSpPr/>
-              <p:nvPr/>
-            </p:nvSpPr>
-            <p:spPr>
-              <a:xfrm rot="5400000">
-                <a:off x="863130" y="1549967"/>
-                <a:ext cx="642321" cy="567268"/>
-              </a:xfrm>
-              <a:prstGeom prst="blockArc">
-                <a:avLst/>
-              </a:prstGeom>
-              <a:solidFill>
-                <a:schemeClr val="tx1"/>
-              </a:solidFill>
-              <a:ln>
-                <a:noFill/>
-              </a:ln>
-              <a:effectLst/>
-            </p:spPr>
-            <p:style>
-              <a:lnRef idx="1">
-                <a:schemeClr val="accent1"/>
-              </a:lnRef>
-              <a:fillRef idx="3">
-                <a:schemeClr val="accent1"/>
-              </a:fillRef>
-              <a:effectRef idx="2">
-                <a:schemeClr val="accent1"/>
-              </a:effectRef>
-              <a:fontRef idx="minor">
-                <a:schemeClr val="lt1"/>
-              </a:fontRef>
-            </p:style>
-            <p:txBody>
-              <a:bodyPr rtlCol="0" anchor="ctr"/>
-              <a:lstStyle/>
-              <a:p>
-                <a:pPr algn="ctr"/>
-                <a:endParaRPr lang="en-US">
-                  <a:solidFill>
-                    <a:schemeClr val="tx1"/>
-                  </a:solidFill>
-                </a:endParaRPr>
-              </a:p>
-            </p:txBody>
-          </p:sp>
-          <p:sp>
-            <p:nvSpPr>
-              <p:cNvPr id="18" name="Block Arc 17"/>
-              <p:cNvSpPr/>
-              <p:nvPr/>
-            </p:nvSpPr>
-            <p:spPr>
-              <a:xfrm rot="16200000">
-                <a:off x="287397" y="1549966"/>
-                <a:ext cx="642321" cy="567268"/>
-              </a:xfrm>
-              <a:prstGeom prst="blockArc">
-                <a:avLst/>
-              </a:prstGeom>
-              <a:solidFill>
-                <a:schemeClr val="tx1"/>
-              </a:solidFill>
-              <a:ln>
-                <a:noFill/>
-              </a:ln>
-              <a:effectLst/>
-            </p:spPr>
-            <p:style>
-              <a:lnRef idx="1">
-                <a:schemeClr val="accent1"/>
-              </a:lnRef>
-              <a:fillRef idx="3">
-                <a:schemeClr val="accent1"/>
-              </a:fillRef>
-              <a:effectRef idx="2">
-                <a:schemeClr val="accent1"/>
-              </a:effectRef>
-              <a:fontRef idx="minor">
-                <a:schemeClr val="lt1"/>
-              </a:fontRef>
-            </p:style>
-            <p:txBody>
-              <a:bodyPr rtlCol="0" anchor="ctr"/>
-              <a:lstStyle/>
-              <a:p>
-                <a:pPr algn="ctr"/>
-                <a:endParaRPr lang="en-US">
-                  <a:solidFill>
-                    <a:schemeClr val="tx1"/>
-                  </a:solidFill>
-                </a:endParaRPr>
-              </a:p>
-            </p:txBody>
-          </p:sp>
-        </p:grpSp>
-        <p:pic>
-          <p:nvPicPr>
-            <p:cNvPr id="29" name="Picture 28"/>
-            <p:cNvPicPr/>
-            <p:nvPr/>
-          </p:nvPicPr>
-          <p:blipFill rotWithShape="1">
-            <a:blip r:embed="rId3">
-              <a:extLst>
-                <a:ext uri="{28A0092B-C50C-407E-A947-70E740481C1C}">
-                  <a14:useLocalDpi xmlns:a14="http://schemas.microsoft.com/office/drawing/2010/main" val="0"/>
-                </a:ext>
-              </a:extLst>
-            </a:blip>
-            <a:srcRect l="24485" t="67537" r="51412" b="8534"/>
-            <a:stretch/>
-          </p:blipFill>
-          <p:spPr>
-            <a:xfrm>
-              <a:off x="1512411" y="1334108"/>
-              <a:ext cx="1552517" cy="1004572"/>
-            </a:xfrm>
-            <a:prstGeom prst="rect">
-              <a:avLst/>
-            </a:prstGeom>
-          </p:spPr>
-        </p:pic>
-      </p:grpSp>
-      <p:sp>
-        <p:nvSpPr>
-          <p:cNvPr id="30" name="Block Arc 29"/>
-          <p:cNvSpPr/>
-          <p:nvPr/>
-        </p:nvSpPr>
-        <p:spPr>
-          <a:xfrm rot="5400000">
-            <a:off x="307144" y="2491664"/>
-            <a:ext cx="159369" cy="140747"/>
-          </a:xfrm>
-          <a:prstGeom prst="blockArc">
-            <a:avLst/>
-          </a:prstGeom>
-          <a:solidFill>
-            <a:schemeClr val="tx1"/>
-          </a:solidFill>
-          <a:ln>
-            <a:solidFill>
-              <a:schemeClr val="tx1"/>
-            </a:solidFill>
+            <a:bevel/>
+            <a:headEnd type="arrow"/>
+            <a:tailEnd type="arrow"/>
           </a:ln>
           <a:effectLst/>
         </p:spPr>
         <p:style>
-          <a:lnRef idx="1">
+          <a:lnRef idx="2">
             <a:schemeClr val="accent1"/>
           </a:lnRef>
-          <a:fillRef idx="3">
+          <a:fillRef idx="0">
             <a:schemeClr val="accent1"/>
           </a:fillRef>
-          <a:effectRef idx="2">
+          <a:effectRef idx="1">
             <a:schemeClr val="accent1"/>
           </a:effectRef>
           <a:fontRef idx="minor">
-            <a:schemeClr val="lt1"/>
+            <a:schemeClr val="tx1"/>
           </a:fontRef>
         </p:style>
-        <p:txBody>
-          <a:bodyPr rtlCol="0" anchor="ctr"/>
-          <a:lstStyle/>
-          <a:p>
-            <a:pPr algn="ctr"/>
-            <a:endParaRPr lang="en-US">
-              <a:solidFill>
-                <a:schemeClr val="tx1"/>
-              </a:solidFill>
-            </a:endParaRPr>
-          </a:p>
-        </p:txBody>
-      </p:sp>
-      <p:grpSp>
-        <p:nvGrpSpPr>
-          <p:cNvPr id="7" name="Group 6"/>
-          <p:cNvGrpSpPr/>
-          <p:nvPr/>
-        </p:nvGrpSpPr>
-        <p:grpSpPr>
-          <a:xfrm>
-            <a:off x="5544283" y="1392294"/>
-            <a:ext cx="1537097" cy="377231"/>
-            <a:chOff x="5837488" y="1392294"/>
-            <a:chExt cx="1537097" cy="377231"/>
-          </a:xfrm>
-        </p:grpSpPr>
-        <p:sp>
-          <p:nvSpPr>
-            <p:cNvPr id="15" name="TextBox 14"/>
-            <p:cNvSpPr txBox="1"/>
-            <p:nvPr/>
-          </p:nvSpPr>
-          <p:spPr>
-            <a:xfrm>
-              <a:off x="6632562" y="1392294"/>
-              <a:ext cx="742023" cy="369332"/>
-            </a:xfrm>
-            <a:prstGeom prst="rect">
-              <a:avLst/>
-            </a:prstGeom>
-            <a:noFill/>
-          </p:spPr>
-          <p:txBody>
-            <a:bodyPr wrap="none" rtlCol="0">
-              <a:spAutoFit/>
-            </a:bodyPr>
-            <a:lstStyle/>
-            <a:p>
-              <a:r>
-                <a:rPr lang="en-US" dirty="0" smtClean="0"/>
-                <a:t>U-X-U</a:t>
-              </a:r>
-              <a:endParaRPr lang="en-US" dirty="0"/>
-            </a:p>
-          </p:txBody>
-        </p:sp>
-        <p:sp>
-          <p:nvSpPr>
-            <p:cNvPr id="24" name="TextBox 23"/>
-            <p:cNvSpPr txBox="1"/>
-            <p:nvPr/>
-          </p:nvSpPr>
-          <p:spPr>
-            <a:xfrm>
-              <a:off x="5837488" y="1400193"/>
-              <a:ext cx="523250" cy="369332"/>
-            </a:xfrm>
-            <a:prstGeom prst="rect">
-              <a:avLst/>
-            </a:prstGeom>
-            <a:noFill/>
-          </p:spPr>
-          <p:txBody>
-            <a:bodyPr wrap="none" rtlCol="0">
-              <a:spAutoFit/>
-            </a:bodyPr>
-            <a:lstStyle/>
-            <a:p>
-              <a:r>
-                <a:rPr lang="en-US" dirty="0" smtClean="0"/>
-                <a:t>U-</a:t>
-              </a:r>
-              <a:r>
-                <a:rPr lang="en-US" dirty="0" smtClean="0"/>
-                <a:t>X</a:t>
-              </a:r>
-              <a:endParaRPr lang="en-US" dirty="0"/>
-            </a:p>
-          </p:txBody>
-        </p:sp>
-      </p:grpSp>
-      <p:sp>
-        <p:nvSpPr>
-          <p:cNvPr id="27" name="TextBox 26"/>
-          <p:cNvSpPr txBox="1"/>
-          <p:nvPr/>
-        </p:nvSpPr>
-        <p:spPr>
-          <a:xfrm>
-            <a:off x="5237683" y="1948084"/>
-            <a:ext cx="2139481" cy="577081"/>
-          </a:xfrm>
-          <a:prstGeom prst="rect">
-            <a:avLst/>
-          </a:prstGeom>
-          <a:noFill/>
-          <a:ln>
-            <a:solidFill>
-              <a:schemeClr val="tx1"/>
-            </a:solidFill>
-          </a:ln>
-        </p:spPr>
-        <p:txBody>
-          <a:bodyPr wrap="square" rtlCol="0">
-            <a:spAutoFit/>
-          </a:bodyPr>
-          <a:lstStyle/>
-          <a:p>
-            <a:r>
-              <a:rPr lang="en-US" sz="1050" dirty="0" smtClean="0">
-                <a:latin typeface="Helvetica"/>
-                <a:cs typeface="Helvetica"/>
-              </a:rPr>
-              <a:t>   = N, P, and O donating ligands</a:t>
-            </a:r>
-          </a:p>
-          <a:p>
-            <a:endParaRPr lang="en-US" sz="1050" dirty="0">
-              <a:latin typeface="Helvetica"/>
-              <a:cs typeface="Helvetica"/>
-            </a:endParaRPr>
-          </a:p>
-          <a:p>
-            <a:r>
-              <a:rPr lang="en-US" sz="1050" dirty="0" smtClean="0">
-                <a:latin typeface="Helvetica"/>
-                <a:cs typeface="Helvetica"/>
-              </a:rPr>
-              <a:t>X = arenes, N, O</a:t>
-            </a:r>
-          </a:p>
-        </p:txBody>
-      </p:sp>
-      <p:sp>
-        <p:nvSpPr>
-          <p:cNvPr id="28" name="Block Arc 27"/>
-          <p:cNvSpPr/>
-          <p:nvPr/>
-        </p:nvSpPr>
-        <p:spPr>
-          <a:xfrm rot="5400000">
-            <a:off x="5252258" y="2016665"/>
-            <a:ext cx="159369" cy="140747"/>
-          </a:xfrm>
-          <a:prstGeom prst="blockArc">
-            <a:avLst/>
-          </a:prstGeom>
-          <a:solidFill>
-            <a:schemeClr val="tx1"/>
-          </a:solidFill>
-          <a:ln>
-            <a:solidFill>
-              <a:schemeClr val="tx1"/>
-            </a:solidFill>
-          </a:ln>
-          <a:effectLst/>
-        </p:spPr>
-        <p:style>
-          <a:lnRef idx="1">
-            <a:schemeClr val="accent1"/>
-          </a:lnRef>
-          <a:fillRef idx="3">
-            <a:schemeClr val="accent1"/>
-          </a:fillRef>
-          <a:effectRef idx="2">
-            <a:schemeClr val="accent1"/>
-          </a:effectRef>
-          <a:fontRef idx="minor">
-            <a:schemeClr val="lt1"/>
-          </a:fontRef>
-        </p:style>
-        <p:txBody>
-          <a:bodyPr rtlCol="0" anchor="ctr"/>
-          <a:lstStyle/>
-          <a:p>
-            <a:pPr algn="ctr"/>
-            <a:endParaRPr lang="en-US">
-              <a:solidFill>
-                <a:schemeClr val="tx1"/>
-              </a:solidFill>
-            </a:endParaRPr>
-          </a:p>
-        </p:txBody>
-      </p:sp>
+      </p:cxnSp>
       <p:pic>
         <p:nvPicPr>
-          <p:cNvPr id="9" name="Picture 8" descr="unu one.tiff"/>
+          <p:cNvPr id="7" name="Picture 6" descr="72883965.png"/>
           <p:cNvPicPr>
             <a:picLocks noChangeAspect="1"/>
           </p:cNvPicPr>
@@ -4947,8 +5376,8 @@
         </p:blipFill>
         <p:spPr>
           <a:xfrm>
-            <a:off x="5279063" y="2711816"/>
-            <a:ext cx="708987" cy="484075"/>
+            <a:off x="4437689" y="3339713"/>
+            <a:ext cx="1065883" cy="652780"/>
           </a:xfrm>
           <a:prstGeom prst="rect">
             <a:avLst/>
@@ -4957,48 +5386,41 @@
       </p:pic>
       <p:sp>
         <p:nvSpPr>
-          <p:cNvPr id="32" name="Block Arc 31"/>
-          <p:cNvSpPr/>
+          <p:cNvPr id="20" name="TextBox 19"/>
+          <p:cNvSpPr txBox="1"/>
           <p:nvPr/>
         </p:nvSpPr>
         <p:spPr>
-          <a:xfrm rot="5400000">
-            <a:off x="5614547" y="2679249"/>
-            <a:ext cx="642321" cy="567268"/>
-          </a:xfrm>
-          <a:prstGeom prst="blockArc">
-            <a:avLst/>
-          </a:prstGeom>
-          <a:solidFill>
-            <a:schemeClr val="tx1"/>
-          </a:solidFill>
-          <a:ln>
-            <a:noFill/>
-          </a:ln>
-          <a:effectLst/>
-        </p:spPr>
-        <p:style>
-          <a:lnRef idx="1">
-            <a:schemeClr val="accent1"/>
-          </a:lnRef>
-          <a:fillRef idx="3">
-            <a:schemeClr val="accent1"/>
-          </a:fillRef>
-          <a:effectRef idx="2">
-            <a:schemeClr val="accent1"/>
-          </a:effectRef>
-          <a:fontRef idx="minor">
-            <a:schemeClr val="lt1"/>
-          </a:fontRef>
-        </p:style>
+          <a:xfrm>
+            <a:off x="7626350" y="3095291"/>
+            <a:ext cx="389850" cy="369332"/>
+          </a:xfrm>
+          <a:prstGeom prst="rect">
+            <a:avLst/>
+          </a:prstGeom>
+          <a:noFill/>
+        </p:spPr>
         <p:txBody>
-          <a:bodyPr rtlCol="0" anchor="ctr"/>
+          <a:bodyPr wrap="none" rtlCol="0">
+            <a:spAutoFit/>
+          </a:bodyPr>
           <a:lstStyle/>
           <a:p>
-            <a:pPr algn="ctr"/>
-            <a:endParaRPr lang="en-US">
+            <a:r>
+              <a:rPr lang="en-US" dirty="0" smtClean="0">
+                <a:solidFill>
+                  <a:srgbClr val="008000"/>
+                </a:solidFill>
+                <a:latin typeface="Zapf Dingbats"/>
+                <a:ea typeface="Zapf Dingbats"/>
+                <a:cs typeface="Zapf Dingbats"/>
+                <a:sym typeface="Zapf Dingbats"/>
+              </a:rPr>
+              <a:t>✔</a:t>
+            </a:r>
+            <a:endParaRPr lang="en-US" dirty="0">
               <a:solidFill>
-                <a:schemeClr val="tx1"/>
+                <a:srgbClr val="008000"/>
               </a:solidFill>
             </a:endParaRPr>
           </a:p>
@@ -5006,155 +5428,74 @@
       </p:sp>
       <p:sp>
         <p:nvSpPr>
-          <p:cNvPr id="33" name="Block Arc 32"/>
-          <p:cNvSpPr/>
+          <p:cNvPr id="21" name="TextBox 20"/>
+          <p:cNvSpPr txBox="1"/>
           <p:nvPr/>
         </p:nvSpPr>
         <p:spPr>
-          <a:xfrm rot="16200000">
-            <a:off x="5038814" y="2679248"/>
-            <a:ext cx="642321" cy="567268"/>
-          </a:xfrm>
-          <a:prstGeom prst="blockArc">
-            <a:avLst/>
-          </a:prstGeom>
-          <a:solidFill>
-            <a:schemeClr val="tx1"/>
-          </a:solidFill>
-          <a:ln>
-            <a:noFill/>
-          </a:ln>
-          <a:effectLst/>
-        </p:spPr>
-        <p:style>
-          <a:lnRef idx="1">
-            <a:schemeClr val="accent1"/>
-          </a:lnRef>
-          <a:fillRef idx="3">
-            <a:schemeClr val="accent1"/>
-          </a:fillRef>
-          <a:effectRef idx="2">
-            <a:schemeClr val="accent1"/>
-          </a:effectRef>
-          <a:fontRef idx="minor">
-            <a:schemeClr val="lt1"/>
-          </a:fontRef>
-        </p:style>
+          <a:xfrm>
+            <a:off x="7544296" y="3512506"/>
+            <a:ext cx="338554" cy="369332"/>
+          </a:xfrm>
+          <a:prstGeom prst="rect">
+            <a:avLst/>
+          </a:prstGeom>
+          <a:noFill/>
+        </p:spPr>
         <p:txBody>
-          <a:bodyPr rtlCol="0" anchor="ctr"/>
+          <a:bodyPr wrap="none" rtlCol="0">
+            <a:spAutoFit/>
+          </a:bodyPr>
           <a:lstStyle/>
           <a:p>
-            <a:pPr algn="ctr"/>
-            <a:endParaRPr lang="en-US">
+            <a:r>
+              <a:rPr lang="en-US" dirty="0" smtClean="0">
+                <a:solidFill>
+                  <a:srgbClr val="FF0000"/>
+                </a:solidFill>
+                <a:latin typeface="Zapf Dingbats"/>
+                <a:ea typeface="Zapf Dingbats"/>
+                <a:cs typeface="Zapf Dingbats"/>
+                <a:sym typeface="Zapf Dingbats"/>
+              </a:rPr>
+              <a:t>✗</a:t>
+            </a:r>
+            <a:endParaRPr lang="en-US" dirty="0">
               <a:solidFill>
-                <a:schemeClr val="tx1"/>
+                <a:srgbClr val="FF0000"/>
               </a:solidFill>
             </a:endParaRPr>
           </a:p>
         </p:txBody>
       </p:sp>
-      <p:sp>
-        <p:nvSpPr>
-          <p:cNvPr id="34" name="Block Arc 33"/>
-          <p:cNvSpPr/>
-          <p:nvPr/>
-        </p:nvSpPr>
-        <p:spPr>
-          <a:xfrm rot="5400000">
-            <a:off x="6961219" y="2679248"/>
-            <a:ext cx="642321" cy="567268"/>
-          </a:xfrm>
-          <a:prstGeom prst="blockArc">
-            <a:avLst/>
-          </a:prstGeom>
-          <a:solidFill>
-            <a:schemeClr val="tx1"/>
-          </a:solidFill>
-          <a:ln>
-            <a:noFill/>
-          </a:ln>
-          <a:effectLst/>
-        </p:spPr>
-        <p:style>
-          <a:lnRef idx="1">
-            <a:schemeClr val="accent1"/>
-          </a:lnRef>
-          <a:fillRef idx="3">
-            <a:schemeClr val="accent1"/>
-          </a:fillRef>
-          <a:effectRef idx="2">
-            <a:schemeClr val="accent1"/>
-          </a:effectRef>
-          <a:fontRef idx="minor">
-            <a:schemeClr val="lt1"/>
-          </a:fontRef>
-        </p:style>
-        <p:txBody>
-          <a:bodyPr rtlCol="0" anchor="ctr"/>
-          <a:lstStyle/>
-          <a:p>
-            <a:pPr algn="ctr"/>
-            <a:endParaRPr lang="en-US">
-              <a:solidFill>
-                <a:schemeClr val="tx1"/>
-              </a:solidFill>
-            </a:endParaRPr>
-          </a:p>
-        </p:txBody>
-      </p:sp>
-      <p:sp>
-        <p:nvSpPr>
-          <p:cNvPr id="35" name="Block Arc 34"/>
-          <p:cNvSpPr/>
-          <p:nvPr/>
-        </p:nvSpPr>
-        <p:spPr>
-          <a:xfrm rot="16200000">
-            <a:off x="6385486" y="2679247"/>
-            <a:ext cx="642321" cy="567268"/>
-          </a:xfrm>
-          <a:prstGeom prst="blockArc">
-            <a:avLst/>
-          </a:prstGeom>
-          <a:solidFill>
-            <a:schemeClr val="tx1"/>
-          </a:solidFill>
-          <a:ln>
-            <a:noFill/>
-          </a:ln>
-          <a:effectLst/>
-        </p:spPr>
-        <p:style>
-          <a:lnRef idx="1">
-            <a:schemeClr val="accent1"/>
-          </a:lnRef>
-          <a:fillRef idx="3">
-            <a:schemeClr val="accent1"/>
-          </a:fillRef>
-          <a:effectRef idx="2">
-            <a:schemeClr val="accent1"/>
-          </a:effectRef>
-          <a:fontRef idx="minor">
-            <a:schemeClr val="lt1"/>
-          </a:fontRef>
-        </p:style>
-        <p:txBody>
-          <a:bodyPr rtlCol="0" anchor="ctr"/>
-          <a:lstStyle/>
-          <a:p>
-            <a:pPr algn="ctr"/>
-            <a:endParaRPr lang="en-US">
-              <a:solidFill>
-                <a:schemeClr val="tx1"/>
-              </a:solidFill>
-            </a:endParaRPr>
-          </a:p>
-        </p:txBody>
-      </p:sp>
+      <p:pic>
+        <p:nvPicPr>
+          <p:cNvPr id="22" name="Picture 21"/>
+          <p:cNvPicPr>
+            <a:picLocks noChangeAspect="1"/>
+          </p:cNvPicPr>
+          <p:nvPr/>
+        </p:nvPicPr>
+        <p:blipFill>
+          <a:blip/>
+          <a:stretch>
+            <a:fillRect/>
+          </a:stretch>
+        </p:blipFill>
+        <p:spPr>
+          <a:xfrm>
+            <a:off x="370080" y="224982"/>
+            <a:ext cx="1440736" cy="554878"/>
+          </a:xfrm>
+          <a:prstGeom prst="rect">
+            <a:avLst/>
+          </a:prstGeom>
+        </p:spPr>
+      </p:pic>
     </p:spTree>
     <p:extLst>
       <p:ext uri="{BB962C8B-B14F-4D97-AF65-F5344CB8AC3E}">
-        <p14:creationId xmlns:p14="http://schemas.microsoft.com/office/powerpoint/2010/main" val="3722544959"/>
+        <p14:creationId xmlns:p14="http://schemas.microsoft.com/office/powerpoint/2010/main" val="1033112719"/>
       </p:ext>
     </p:extLst>
   </p:cSld>
@@ -5164,7 +5505,7 @@
 </p:sld>
 </file>
 
-<file path=ppt/slides/slide4.xml><?xml version="1.0" encoding="utf-8"?>
+<file path=ppt/slides/slide6.xml><?xml version="1.0" encoding="utf-8"?>
 <p:sld xmlns:a="http://schemas.openxmlformats.org/drawingml/2006/main" xmlns:r="http://schemas.openxmlformats.org/officeDocument/2006/relationships" xmlns:p="http://schemas.openxmlformats.org/presentationml/2006/main">
   <p:cSld>
     <p:spTree>
@@ -5189,7 +5530,7 @@
         </p:nvCxnSpPr>
         <p:spPr>
           <a:xfrm>
-            <a:off x="6013327" y="5699651"/>
+            <a:off x="4964113" y="4911189"/>
             <a:ext cx="1219200" cy="1588"/>
           </a:xfrm>
           <a:prstGeom prst="line">
@@ -5224,7 +5565,7 @@
         </p:nvCxnSpPr>
         <p:spPr>
           <a:xfrm>
-            <a:off x="6013327" y="5471051"/>
+            <a:off x="4964113" y="4682589"/>
             <a:ext cx="1219200" cy="1588"/>
           </a:xfrm>
           <a:prstGeom prst="line">
@@ -5259,7 +5600,7 @@
         </p:nvCxnSpPr>
         <p:spPr>
           <a:xfrm>
-            <a:off x="6013327" y="5242451"/>
+            <a:off x="4964113" y="4453989"/>
             <a:ext cx="1219200" cy="1588"/>
           </a:xfrm>
           <a:prstGeom prst="line">
@@ -5294,7 +5635,7 @@
         </p:nvCxnSpPr>
         <p:spPr>
           <a:xfrm>
-            <a:off x="6013327" y="5013851"/>
+            <a:off x="4964113" y="4225389"/>
             <a:ext cx="1219200" cy="1588"/>
           </a:xfrm>
           <a:prstGeom prst="line">
@@ -5329,7 +5670,7 @@
         </p:nvCxnSpPr>
         <p:spPr>
           <a:xfrm>
-            <a:off x="6013327" y="4785251"/>
+            <a:off x="4964113" y="3996789"/>
             <a:ext cx="1219200" cy="1588"/>
           </a:xfrm>
           <a:prstGeom prst="line">
@@ -5364,7 +5705,7 @@
         </p:nvCxnSpPr>
         <p:spPr>
           <a:xfrm>
-            <a:off x="6013327" y="4556651"/>
+            <a:off x="4964113" y="3768189"/>
             <a:ext cx="1219200" cy="1588"/>
           </a:xfrm>
           <a:prstGeom prst="line">
@@ -5399,7 +5740,7 @@
         </p:nvCxnSpPr>
         <p:spPr>
           <a:xfrm>
-            <a:off x="6013327" y="4328051"/>
+            <a:off x="4964113" y="3539589"/>
             <a:ext cx="1219200" cy="1588"/>
           </a:xfrm>
           <a:prstGeom prst="line">
@@ -5434,7 +5775,7 @@
         </p:nvCxnSpPr>
         <p:spPr>
           <a:xfrm>
-            <a:off x="6013327" y="4099451"/>
+            <a:off x="4964113" y="3310989"/>
             <a:ext cx="1219200" cy="1588"/>
           </a:xfrm>
           <a:prstGeom prst="line">
@@ -5469,7 +5810,7 @@
         </p:nvCxnSpPr>
         <p:spPr>
           <a:xfrm>
-            <a:off x="6013327" y="3870851"/>
+            <a:off x="4964113" y="3082389"/>
             <a:ext cx="1219200" cy="1588"/>
           </a:xfrm>
           <a:prstGeom prst="line">
@@ -5504,7 +5845,7 @@
         </p:nvCxnSpPr>
         <p:spPr>
           <a:xfrm>
-            <a:off x="6013327" y="3642251"/>
+            <a:off x="4964113" y="2853789"/>
             <a:ext cx="1219200" cy="1588"/>
           </a:xfrm>
           <a:prstGeom prst="line">
@@ -5541,7 +5882,7 @@
         </p:nvCxnSpPr>
         <p:spPr>
           <a:xfrm>
-            <a:off x="6013327" y="3413651"/>
+            <a:off x="4964113" y="2625189"/>
             <a:ext cx="1219200" cy="1588"/>
           </a:xfrm>
           <a:prstGeom prst="line">
@@ -5578,7 +5919,7 @@
         </p:nvCxnSpPr>
         <p:spPr>
           <a:xfrm>
-            <a:off x="6013327" y="3185051"/>
+            <a:off x="4964113" y="2396589"/>
             <a:ext cx="1219200" cy="1588"/>
           </a:xfrm>
           <a:prstGeom prst="line">
@@ -5615,7 +5956,7 @@
         </p:nvCxnSpPr>
         <p:spPr>
           <a:xfrm>
-            <a:off x="6013327" y="2956451"/>
+            <a:off x="4964113" y="2167989"/>
             <a:ext cx="1219200" cy="1588"/>
           </a:xfrm>
           <a:prstGeom prst="line">
@@ -5652,7 +5993,7 @@
         </p:nvCxnSpPr>
         <p:spPr>
           <a:xfrm>
-            <a:off x="6013327" y="2727851"/>
+            <a:off x="4964113" y="1939389"/>
             <a:ext cx="1219200" cy="1588"/>
           </a:xfrm>
           <a:prstGeom prst="line">
@@ -5689,7 +6030,7 @@
         </p:nvSpPr>
         <p:spPr>
           <a:xfrm>
-            <a:off x="5638800" y="4786839"/>
+            <a:off x="4589586" y="3998377"/>
             <a:ext cx="1917007" cy="912811"/>
           </a:xfrm>
           <a:prstGeom prst="bracePair">
@@ -5724,7 +6065,7 @@
         </p:nvSpPr>
         <p:spPr>
           <a:xfrm>
-            <a:off x="5638800" y="2727851"/>
+            <a:off x="4589586" y="1939389"/>
             <a:ext cx="1917007" cy="888087"/>
           </a:xfrm>
           <a:prstGeom prst="bracePair">
@@ -5761,7 +6102,7 @@
         </p:nvSpPr>
         <p:spPr>
           <a:xfrm>
-            <a:off x="7581041" y="2821187"/>
+            <a:off x="6531827" y="2032725"/>
             <a:ext cx="1077964" cy="707886"/>
           </a:xfrm>
           <a:prstGeom prst="rect">
@@ -5808,7 +6149,7 @@
         </p:nvSpPr>
         <p:spPr>
           <a:xfrm>
-            <a:off x="7600278" y="4883356"/>
+            <a:off x="6551064" y="4094894"/>
             <a:ext cx="1268196" cy="707886"/>
           </a:xfrm>
           <a:prstGeom prst="rect">
@@ -5855,7 +6196,7 @@
         </p:nvSpPr>
         <p:spPr>
           <a:xfrm>
-            <a:off x="5626793" y="3820964"/>
+            <a:off x="4577579" y="3032502"/>
             <a:ext cx="1917007" cy="735687"/>
           </a:xfrm>
           <a:prstGeom prst="bracePair">
@@ -5890,7 +6231,7 @@
         </p:nvSpPr>
         <p:spPr>
           <a:xfrm>
-            <a:off x="7659062" y="3976532"/>
+            <a:off x="6609848" y="3188070"/>
             <a:ext cx="883099" cy="400110"/>
           </a:xfrm>
           <a:prstGeom prst="rect">
@@ -5933,7 +6274,7 @@
         </p:nvCxnSpPr>
         <p:spPr>
           <a:xfrm rot="5400000" flipH="1" flipV="1">
-            <a:off x="6117208" y="5660757"/>
+            <a:off x="5067994" y="4872295"/>
             <a:ext cx="381000" cy="1588"/>
           </a:xfrm>
           <a:prstGeom prst="straightConnector1">
@@ -5969,7 +6310,7 @@
         </p:nvCxnSpPr>
         <p:spPr>
           <a:xfrm rot="5400000" flipH="1" flipV="1">
-            <a:off x="6572026" y="5432157"/>
+            <a:off x="5522812" y="4643695"/>
             <a:ext cx="381000" cy="1588"/>
           </a:xfrm>
           <a:prstGeom prst="straightConnector1">
@@ -6005,7 +6346,7 @@
         </p:nvCxnSpPr>
         <p:spPr>
           <a:xfrm rot="5400000" flipH="1" flipV="1">
-            <a:off x="6116414" y="5203557"/>
+            <a:off x="5067200" y="4415095"/>
             <a:ext cx="381000" cy="1588"/>
           </a:xfrm>
           <a:prstGeom prst="straightConnector1">
@@ -6041,7 +6382,7 @@
         </p:nvCxnSpPr>
         <p:spPr>
           <a:xfrm rot="5400000" flipH="1" flipV="1">
-            <a:off x="6572026" y="4974957"/>
+            <a:off x="5522812" y="4186495"/>
             <a:ext cx="381000" cy="1588"/>
           </a:xfrm>
           <a:prstGeom prst="straightConnector1">
@@ -6077,7 +6418,7 @@
         </p:nvCxnSpPr>
         <p:spPr>
           <a:xfrm rot="5400000" flipH="1" flipV="1">
-            <a:off x="6116414" y="4746357"/>
+            <a:off x="5067200" y="3957895"/>
             <a:ext cx="381000" cy="1588"/>
           </a:xfrm>
           <a:prstGeom prst="straightConnector1">
@@ -6113,7 +6454,7 @@
         </p:nvCxnSpPr>
         <p:spPr>
           <a:xfrm rot="5400000" flipH="1" flipV="1">
-            <a:off x="6724426" y="4517757"/>
+            <a:off x="5675212" y="3729295"/>
             <a:ext cx="381000" cy="1588"/>
           </a:xfrm>
           <a:prstGeom prst="straightConnector1">
@@ -6149,7 +6490,7 @@
         </p:nvCxnSpPr>
         <p:spPr>
           <a:xfrm rot="5400000" flipH="1" flipV="1">
-            <a:off x="6116414" y="4289157"/>
+            <a:off x="5067200" y="3500695"/>
             <a:ext cx="381000" cy="1588"/>
           </a:xfrm>
           <a:prstGeom prst="straightConnector1">
@@ -6185,7 +6526,7 @@
         </p:nvCxnSpPr>
         <p:spPr>
           <a:xfrm rot="16200000" flipH="1">
-            <a:off x="6268814" y="4746358"/>
+            <a:off x="5219600" y="3957896"/>
             <a:ext cx="381000" cy="1588"/>
           </a:xfrm>
           <a:prstGeom prst="straightConnector1">
@@ -6221,7 +6562,7 @@
         </p:nvCxnSpPr>
         <p:spPr>
           <a:xfrm rot="16200000" flipH="1">
-            <a:off x="6726014" y="4974958"/>
+            <a:off x="5676800" y="4186496"/>
             <a:ext cx="381000" cy="1588"/>
           </a:xfrm>
           <a:prstGeom prst="straightConnector1">
@@ -6257,7 +6598,7 @@
         </p:nvCxnSpPr>
         <p:spPr>
           <a:xfrm rot="16200000" flipH="1">
-            <a:off x="6726014" y="5432157"/>
+            <a:off x="5676800" y="4643695"/>
             <a:ext cx="381000" cy="1588"/>
           </a:xfrm>
           <a:prstGeom prst="straightConnector1">
@@ -6293,7 +6634,7 @@
         </p:nvCxnSpPr>
         <p:spPr>
           <a:xfrm rot="16200000" flipH="1">
-            <a:off x="6267226" y="5660758"/>
+            <a:off x="5218012" y="4872296"/>
             <a:ext cx="381000" cy="1588"/>
           </a:xfrm>
           <a:prstGeom prst="straightConnector1">
@@ -6329,7 +6670,7 @@
         </p:nvCxnSpPr>
         <p:spPr>
           <a:xfrm rot="16200000" flipH="1">
-            <a:off x="6268814" y="5279758"/>
+            <a:off x="5219600" y="4491296"/>
             <a:ext cx="381000" cy="1588"/>
           </a:xfrm>
           <a:prstGeom prst="straightConnector1">
@@ -6365,7 +6706,7 @@
         </p:nvCxnSpPr>
         <p:spPr>
           <a:xfrm rot="16200000" flipH="1">
-            <a:off x="6726014" y="3908158"/>
+            <a:off x="5676800" y="3119696"/>
             <a:ext cx="381000" cy="1588"/>
           </a:xfrm>
           <a:prstGeom prst="straightConnector1">
@@ -6401,7 +6742,7 @@
         </p:nvCxnSpPr>
         <p:spPr>
           <a:xfrm rot="16200000" flipH="1">
-            <a:off x="6268814" y="4289157"/>
+            <a:off x="5219600" y="3500695"/>
             <a:ext cx="381000" cy="1588"/>
           </a:xfrm>
           <a:prstGeom prst="straightConnector1">
@@ -6437,7 +6778,7 @@
         </p:nvSpPr>
         <p:spPr>
           <a:xfrm>
-            <a:off x="5804460" y="2044625"/>
+            <a:off x="4755246" y="1256163"/>
             <a:ext cx="1641119" cy="523220"/>
           </a:xfrm>
           <a:prstGeom prst="rect">
@@ -6479,7 +6820,7 @@
         </p:nvCxnSpPr>
         <p:spPr>
           <a:xfrm>
-            <a:off x="3665434" y="5703377"/>
+            <a:off x="2616220" y="4914915"/>
             <a:ext cx="1219200" cy="1588"/>
           </a:xfrm>
           <a:prstGeom prst="line">
@@ -6514,7 +6855,7 @@
         </p:nvCxnSpPr>
         <p:spPr>
           <a:xfrm>
-            <a:off x="3665434" y="5474777"/>
+            <a:off x="2616220" y="4686315"/>
             <a:ext cx="1219200" cy="1588"/>
           </a:xfrm>
           <a:prstGeom prst="line">
@@ -6549,7 +6890,7 @@
         </p:nvCxnSpPr>
         <p:spPr>
           <a:xfrm>
-            <a:off x="3665434" y="5246177"/>
+            <a:off x="2616220" y="4457715"/>
             <a:ext cx="1219200" cy="1588"/>
           </a:xfrm>
           <a:prstGeom prst="line">
@@ -6584,7 +6925,7 @@
         </p:nvCxnSpPr>
         <p:spPr>
           <a:xfrm>
-            <a:off x="3665434" y="5017577"/>
+            <a:off x="2616220" y="4229115"/>
             <a:ext cx="1219200" cy="1588"/>
           </a:xfrm>
           <a:prstGeom prst="line">
@@ -6619,7 +6960,7 @@
         </p:nvCxnSpPr>
         <p:spPr>
           <a:xfrm>
-            <a:off x="3665434" y="4788977"/>
+            <a:off x="2616220" y="4000515"/>
             <a:ext cx="1219200" cy="1588"/>
           </a:xfrm>
           <a:prstGeom prst="line">
@@ -6654,7 +6995,7 @@
         </p:nvCxnSpPr>
         <p:spPr>
           <a:xfrm>
-            <a:off x="3665434" y="4560377"/>
+            <a:off x="2616220" y="3771915"/>
             <a:ext cx="1219200" cy="1588"/>
           </a:xfrm>
           <a:prstGeom prst="line">
@@ -6689,7 +7030,7 @@
         </p:nvCxnSpPr>
         <p:spPr>
           <a:xfrm>
-            <a:off x="3665434" y="4331777"/>
+            <a:off x="2616220" y="3543315"/>
             <a:ext cx="1219200" cy="1588"/>
           </a:xfrm>
           <a:prstGeom prst="line">
@@ -6724,7 +7065,7 @@
         </p:nvCxnSpPr>
         <p:spPr>
           <a:xfrm>
-            <a:off x="3665434" y="4103177"/>
+            <a:off x="2616220" y="3314715"/>
             <a:ext cx="1219200" cy="1588"/>
           </a:xfrm>
           <a:prstGeom prst="line">
@@ -6761,7 +7102,7 @@
         </p:nvCxnSpPr>
         <p:spPr>
           <a:xfrm>
-            <a:off x="3665434" y="3874577"/>
+            <a:off x="2616220" y="3086115"/>
             <a:ext cx="1219200" cy="1588"/>
           </a:xfrm>
           <a:prstGeom prst="line">
@@ -6798,7 +7139,7 @@
         </p:nvCxnSpPr>
         <p:spPr>
           <a:xfrm>
-            <a:off x="3665434" y="3645977"/>
+            <a:off x="2616220" y="2857515"/>
             <a:ext cx="1219200" cy="1588"/>
           </a:xfrm>
           <a:prstGeom prst="line">
@@ -6835,7 +7176,7 @@
         </p:nvCxnSpPr>
         <p:spPr>
           <a:xfrm>
-            <a:off x="3665434" y="3417377"/>
+            <a:off x="2616220" y="2628915"/>
             <a:ext cx="1219200" cy="1588"/>
           </a:xfrm>
           <a:prstGeom prst="line">
@@ -6872,7 +7213,7 @@
         </p:nvCxnSpPr>
         <p:spPr>
           <a:xfrm>
-            <a:off x="3665434" y="3188777"/>
+            <a:off x="2616220" y="2400315"/>
             <a:ext cx="1219200" cy="1588"/>
           </a:xfrm>
           <a:prstGeom prst="line">
@@ -6909,7 +7250,7 @@
         </p:nvCxnSpPr>
         <p:spPr>
           <a:xfrm>
-            <a:off x="3665434" y="2960177"/>
+            <a:off x="2616220" y="2171715"/>
             <a:ext cx="1219200" cy="1588"/>
           </a:xfrm>
           <a:prstGeom prst="line">
@@ -6946,7 +7287,7 @@
         </p:nvCxnSpPr>
         <p:spPr>
           <a:xfrm>
-            <a:off x="3665434" y="2733165"/>
+            <a:off x="2616220" y="1944703"/>
             <a:ext cx="1219200" cy="1588"/>
           </a:xfrm>
           <a:prstGeom prst="line">
@@ -6983,7 +7324,7 @@
         </p:nvSpPr>
         <p:spPr>
           <a:xfrm>
-            <a:off x="3348627" y="4331777"/>
+            <a:off x="2299413" y="3543315"/>
             <a:ext cx="1917007" cy="1371600"/>
           </a:xfrm>
           <a:prstGeom prst="bracePair">
@@ -7018,7 +7359,7 @@
         </p:nvSpPr>
         <p:spPr>
           <a:xfrm>
-            <a:off x="3348627" y="2731577"/>
+            <a:off x="2299413" y="1943115"/>
             <a:ext cx="1917007" cy="1371600"/>
           </a:xfrm>
           <a:prstGeom prst="bracePair">
@@ -7055,7 +7396,7 @@
         </p:nvCxnSpPr>
         <p:spPr>
           <a:xfrm rot="5400000" flipH="1" flipV="1">
-            <a:off x="3769315" y="5664483"/>
+            <a:off x="2720101" y="4876021"/>
             <a:ext cx="381000" cy="1588"/>
           </a:xfrm>
           <a:prstGeom prst="straightConnector1">
@@ -7091,7 +7432,7 @@
         </p:nvCxnSpPr>
         <p:spPr>
           <a:xfrm rot="5400000" flipH="1" flipV="1">
-            <a:off x="4224133" y="5435883"/>
+            <a:off x="3174919" y="4647421"/>
             <a:ext cx="381000" cy="1588"/>
           </a:xfrm>
           <a:prstGeom prst="straightConnector1">
@@ -7127,7 +7468,7 @@
         </p:nvCxnSpPr>
         <p:spPr>
           <a:xfrm rot="5400000" flipH="1" flipV="1">
-            <a:off x="3768521" y="5207283"/>
+            <a:off x="2719307" y="4418821"/>
             <a:ext cx="381000" cy="1588"/>
           </a:xfrm>
           <a:prstGeom prst="straightConnector1">
@@ -7163,7 +7504,7 @@
         </p:nvCxnSpPr>
         <p:spPr>
           <a:xfrm rot="5400000" flipH="1" flipV="1">
-            <a:off x="4224133" y="4978683"/>
+            <a:off x="3174919" y="4190221"/>
             <a:ext cx="381000" cy="1588"/>
           </a:xfrm>
           <a:prstGeom prst="straightConnector1">
@@ -7199,7 +7540,7 @@
         </p:nvCxnSpPr>
         <p:spPr>
           <a:xfrm rot="5400000" flipH="1" flipV="1">
-            <a:off x="3768521" y="4750083"/>
+            <a:off x="2719307" y="3961621"/>
             <a:ext cx="381000" cy="1588"/>
           </a:xfrm>
           <a:prstGeom prst="straightConnector1">
@@ -7235,7 +7576,7 @@
         </p:nvCxnSpPr>
         <p:spPr>
           <a:xfrm rot="5400000" flipH="1" flipV="1">
-            <a:off x="4225721" y="4521483"/>
+            <a:off x="3176507" y="3733021"/>
             <a:ext cx="381000" cy="1588"/>
           </a:xfrm>
           <a:prstGeom prst="straightConnector1">
@@ -7271,7 +7612,7 @@
         </p:nvCxnSpPr>
         <p:spPr>
           <a:xfrm rot="5400000" flipH="1" flipV="1">
-            <a:off x="3768521" y="4292883"/>
+            <a:off x="2719307" y="3504421"/>
             <a:ext cx="381000" cy="1588"/>
           </a:xfrm>
           <a:prstGeom prst="straightConnector1">
@@ -7307,7 +7648,7 @@
         </p:nvCxnSpPr>
         <p:spPr>
           <a:xfrm rot="16200000" flipH="1">
-            <a:off x="3920921" y="4750084"/>
+            <a:off x="2871707" y="3961622"/>
             <a:ext cx="381000" cy="1588"/>
           </a:xfrm>
           <a:prstGeom prst="straightConnector1">
@@ -7343,7 +7684,7 @@
         </p:nvCxnSpPr>
         <p:spPr>
           <a:xfrm rot="16200000" flipH="1">
-            <a:off x="3920921" y="4292884"/>
+            <a:off x="2871707" y="3504422"/>
             <a:ext cx="381000" cy="1588"/>
           </a:xfrm>
           <a:prstGeom prst="straightConnector1">
@@ -7379,7 +7720,7 @@
         </p:nvCxnSpPr>
         <p:spPr>
           <a:xfrm rot="16200000" flipH="1">
-            <a:off x="4376533" y="4521484"/>
+            <a:off x="3327319" y="3733022"/>
             <a:ext cx="381000" cy="1588"/>
           </a:xfrm>
           <a:prstGeom prst="straightConnector1">
@@ -7415,7 +7756,7 @@
         </p:nvCxnSpPr>
         <p:spPr>
           <a:xfrm rot="16200000" flipH="1">
-            <a:off x="4378121" y="4978684"/>
+            <a:off x="3328907" y="4190222"/>
             <a:ext cx="381000" cy="1588"/>
           </a:xfrm>
           <a:prstGeom prst="straightConnector1">
@@ -7451,7 +7792,7 @@
         </p:nvCxnSpPr>
         <p:spPr>
           <a:xfrm rot="16200000" flipH="1">
-            <a:off x="4378121" y="5435883"/>
+            <a:off x="3328907" y="4647421"/>
             <a:ext cx="381000" cy="1588"/>
           </a:xfrm>
           <a:prstGeom prst="straightConnector1">
@@ -7487,7 +7828,7 @@
         </p:nvCxnSpPr>
         <p:spPr>
           <a:xfrm rot="16200000" flipH="1">
-            <a:off x="3919333" y="5664484"/>
+            <a:off x="2870119" y="4876022"/>
             <a:ext cx="381000" cy="1588"/>
           </a:xfrm>
           <a:prstGeom prst="straightConnector1">
@@ -7523,7 +7864,7 @@
         </p:nvCxnSpPr>
         <p:spPr>
           <a:xfrm rot="16200000" flipH="1">
-            <a:off x="3920921" y="5283484"/>
+            <a:off x="2871707" y="4495022"/>
             <a:ext cx="381000" cy="1588"/>
           </a:xfrm>
           <a:prstGeom prst="straightConnector1">
@@ -7559,7 +7900,7 @@
         </p:nvSpPr>
         <p:spPr>
           <a:xfrm>
-            <a:off x="3193402" y="2039583"/>
+            <a:off x="2144188" y="1251121"/>
             <a:ext cx="2262158" cy="523220"/>
           </a:xfrm>
           <a:prstGeom prst="rect">
@@ -7601,7 +7942,7 @@
         </p:nvSpPr>
         <p:spPr>
           <a:xfrm rot="16034872">
-            <a:off x="5205668" y="4110629"/>
+            <a:off x="4156454" y="3322167"/>
             <a:ext cx="599932" cy="215485"/>
           </a:xfrm>
           <a:prstGeom prst="curvedDownArrow">
@@ -9491,7 +9832,7 @@
 </p:sld>
 </file>
 
-<file path=ppt/slides/slide5.xml><?xml version="1.0" encoding="utf-8"?>
+<file path=ppt/slides/slide7.xml><?xml version="1.0" encoding="utf-8"?>
 <p:sld xmlns:a="http://schemas.openxmlformats.org/drawingml/2006/main" xmlns:r="http://schemas.openxmlformats.org/officeDocument/2006/relationships" xmlns:p="http://schemas.openxmlformats.org/presentationml/2006/main">
   <p:cSld>
     <p:spTree>
@@ -9508,50 +9849,355 @@
           <a:chExt cx="0" cy="0"/>
         </a:xfrm>
       </p:grpSpPr>
-      <p:pic>
-        <p:nvPicPr>
-          <p:cNvPr id="4" name="Picture 3" descr="test.tga"/>
-          <p:cNvPicPr>
-            <a:picLocks noChangeAspect="1"/>
-          </p:cNvPicPr>
-          <p:nvPr/>
-        </p:nvPicPr>
-        <p:blipFill rotWithShape="1">
-          <a:blip r:embed="rId2">
-            <a:extLst>
-              <a:ext uri="{28A0092B-C50C-407E-A947-70E740481C1C}">
-                <a14:useLocalDpi xmlns:a14="http://schemas.microsoft.com/office/drawing/2010/main" val="0"/>
-              </a:ext>
-            </a:extLst>
-          </a:blip>
-          <a:srcRect l="27772" t="38731" r="34255" b="7249"/>
-          <a:stretch/>
-        </p:blipFill>
+      <p:sp>
+        <p:nvSpPr>
+          <p:cNvPr id="35" name="Isosceles Triangle 4"/>
+          <p:cNvSpPr/>
+          <p:nvPr/>
+        </p:nvSpPr>
+        <p:spPr>
+          <a:xfrm rot="10800000">
+            <a:off x="2000227" y="1991041"/>
+            <a:ext cx="4938173" cy="1481757"/>
+          </a:xfrm>
+          <a:custGeom>
+            <a:avLst/>
+            <a:gdLst>
+              <a:gd name="connsiteX0" fmla="*/ 0 w 5467683"/>
+              <a:gd name="connsiteY0" fmla="*/ 1390317 h 1390317"/>
+              <a:gd name="connsiteX1" fmla="*/ 2733842 w 5467683"/>
+              <a:gd name="connsiteY1" fmla="*/ 0 h 1390317"/>
+              <a:gd name="connsiteX2" fmla="*/ 5467683 w 5467683"/>
+              <a:gd name="connsiteY2" fmla="*/ 1390317 h 1390317"/>
+              <a:gd name="connsiteX3" fmla="*/ 0 w 5467683"/>
+              <a:gd name="connsiteY3" fmla="*/ 1390317 h 1390317"/>
+              <a:gd name="connsiteX0" fmla="*/ 59583 w 5586849"/>
+              <a:gd name="connsiteY0" fmla="*/ 1390317 h 1390317"/>
+              <a:gd name="connsiteX1" fmla="*/ 2793425 w 5586849"/>
+              <a:gd name="connsiteY1" fmla="*/ 0 h 1390317"/>
+              <a:gd name="connsiteX2" fmla="*/ 5527266 w 5586849"/>
+              <a:gd name="connsiteY2" fmla="*/ 1390317 h 1390317"/>
+              <a:gd name="connsiteX3" fmla="*/ 59583 w 5586849"/>
+              <a:gd name="connsiteY3" fmla="*/ 1390317 h 1390317"/>
+              <a:gd name="connsiteX0" fmla="*/ 0 w 5527266"/>
+              <a:gd name="connsiteY0" fmla="*/ 1390317 h 1390317"/>
+              <a:gd name="connsiteX1" fmla="*/ 2733842 w 5527266"/>
+              <a:gd name="connsiteY1" fmla="*/ 0 h 1390317"/>
+              <a:gd name="connsiteX2" fmla="*/ 5467683 w 5527266"/>
+              <a:gd name="connsiteY2" fmla="*/ 1390317 h 1390317"/>
+              <a:gd name="connsiteX3" fmla="*/ 0 w 5527266"/>
+              <a:gd name="connsiteY3" fmla="*/ 1390317 h 1390317"/>
+              <a:gd name="connsiteX0" fmla="*/ 0 w 5467683"/>
+              <a:gd name="connsiteY0" fmla="*/ 1390317 h 1390317"/>
+              <a:gd name="connsiteX1" fmla="*/ 2733842 w 5467683"/>
+              <a:gd name="connsiteY1" fmla="*/ 0 h 1390317"/>
+              <a:gd name="connsiteX2" fmla="*/ 5467683 w 5467683"/>
+              <a:gd name="connsiteY2" fmla="*/ 1390317 h 1390317"/>
+              <a:gd name="connsiteX3" fmla="*/ 0 w 5467683"/>
+              <a:gd name="connsiteY3" fmla="*/ 1390317 h 1390317"/>
+              <a:gd name="connsiteX0" fmla="*/ 0 w 5559123"/>
+              <a:gd name="connsiteY0" fmla="*/ 1390317 h 1481757"/>
+              <a:gd name="connsiteX1" fmla="*/ 2733842 w 5559123"/>
+              <a:gd name="connsiteY1" fmla="*/ 0 h 1481757"/>
+              <a:gd name="connsiteX2" fmla="*/ 5559123 w 5559123"/>
+              <a:gd name="connsiteY2" fmla="*/ 1481757 h 1481757"/>
+            </a:gdLst>
+            <a:ahLst/>
+            <a:cxnLst>
+              <a:cxn ang="0">
+                <a:pos x="connsiteX0" y="connsiteY0"/>
+              </a:cxn>
+              <a:cxn ang="0">
+                <a:pos x="connsiteX1" y="connsiteY1"/>
+              </a:cxn>
+              <a:cxn ang="0">
+                <a:pos x="connsiteX2" y="connsiteY2"/>
+              </a:cxn>
+            </a:cxnLst>
+            <a:rect l="l" t="t" r="r" b="b"/>
+            <a:pathLst>
+              <a:path w="5559123" h="1481757">
+                <a:moveTo>
+                  <a:pt x="0" y="1390317"/>
+                </a:moveTo>
+                <a:cubicBezTo>
+                  <a:pt x="1843728" y="971439"/>
+                  <a:pt x="1822562" y="0"/>
+                  <a:pt x="2733842" y="0"/>
+                </a:cubicBezTo>
+                <a:cubicBezTo>
+                  <a:pt x="3645122" y="0"/>
+                  <a:pt x="3664060" y="958071"/>
+                  <a:pt x="5559123" y="1481757"/>
+                </a:cubicBezTo>
+              </a:path>
+            </a:pathLst>
+          </a:custGeom>
+          <a:noFill/>
+          <a:ln w="76200" cmpd="sng">
+            <a:gradFill flip="none" rotWithShape="1">
+              <a:gsLst>
+                <a:gs pos="75000">
+                  <a:srgbClr val="3366FF"/>
+                </a:gs>
+                <a:gs pos="100000">
+                  <a:prstClr val="white"/>
+                </a:gs>
+              </a:gsLst>
+              <a:path path="shape">
+                <a:fillToRect l="50000" t="50000" r="50000" b="50000"/>
+              </a:path>
+              <a:tileRect/>
+            </a:gradFill>
+          </a:ln>
+          <a:effectLst/>
+        </p:spPr>
+        <p:style>
+          <a:lnRef idx="1">
+            <a:schemeClr val="accent1"/>
+          </a:lnRef>
+          <a:fillRef idx="3">
+            <a:schemeClr val="accent1"/>
+          </a:fillRef>
+          <a:effectRef idx="2">
+            <a:schemeClr val="accent1"/>
+          </a:effectRef>
+          <a:fontRef idx="minor">
+            <a:schemeClr val="lt1"/>
+          </a:fontRef>
+        </p:style>
+        <p:txBody>
+          <a:bodyPr rtlCol="0" anchor="ctr"/>
+          <a:lstStyle/>
+          <a:p>
+            <a:pPr algn="ctr"/>
+            <a:endParaRPr lang="en-US" dirty="0"/>
+          </a:p>
+        </p:txBody>
+      </p:sp>
+      <p:sp>
+        <p:nvSpPr>
+          <p:cNvPr id="36" name="Isosceles Triangle 4"/>
+          <p:cNvSpPr/>
+          <p:nvPr/>
+        </p:nvSpPr>
+        <p:spPr>
+          <a:xfrm rot="10800000">
+            <a:off x="1409816" y="2915283"/>
+            <a:ext cx="4938173" cy="1481757"/>
+          </a:xfrm>
+          <a:custGeom>
+            <a:avLst/>
+            <a:gdLst>
+              <a:gd name="connsiteX0" fmla="*/ 0 w 5467683"/>
+              <a:gd name="connsiteY0" fmla="*/ 1390317 h 1390317"/>
+              <a:gd name="connsiteX1" fmla="*/ 2733842 w 5467683"/>
+              <a:gd name="connsiteY1" fmla="*/ 0 h 1390317"/>
+              <a:gd name="connsiteX2" fmla="*/ 5467683 w 5467683"/>
+              <a:gd name="connsiteY2" fmla="*/ 1390317 h 1390317"/>
+              <a:gd name="connsiteX3" fmla="*/ 0 w 5467683"/>
+              <a:gd name="connsiteY3" fmla="*/ 1390317 h 1390317"/>
+              <a:gd name="connsiteX0" fmla="*/ 59583 w 5586849"/>
+              <a:gd name="connsiteY0" fmla="*/ 1390317 h 1390317"/>
+              <a:gd name="connsiteX1" fmla="*/ 2793425 w 5586849"/>
+              <a:gd name="connsiteY1" fmla="*/ 0 h 1390317"/>
+              <a:gd name="connsiteX2" fmla="*/ 5527266 w 5586849"/>
+              <a:gd name="connsiteY2" fmla="*/ 1390317 h 1390317"/>
+              <a:gd name="connsiteX3" fmla="*/ 59583 w 5586849"/>
+              <a:gd name="connsiteY3" fmla="*/ 1390317 h 1390317"/>
+              <a:gd name="connsiteX0" fmla="*/ 0 w 5527266"/>
+              <a:gd name="connsiteY0" fmla="*/ 1390317 h 1390317"/>
+              <a:gd name="connsiteX1" fmla="*/ 2733842 w 5527266"/>
+              <a:gd name="connsiteY1" fmla="*/ 0 h 1390317"/>
+              <a:gd name="connsiteX2" fmla="*/ 5467683 w 5527266"/>
+              <a:gd name="connsiteY2" fmla="*/ 1390317 h 1390317"/>
+              <a:gd name="connsiteX3" fmla="*/ 0 w 5527266"/>
+              <a:gd name="connsiteY3" fmla="*/ 1390317 h 1390317"/>
+              <a:gd name="connsiteX0" fmla="*/ 0 w 5467683"/>
+              <a:gd name="connsiteY0" fmla="*/ 1390317 h 1390317"/>
+              <a:gd name="connsiteX1" fmla="*/ 2733842 w 5467683"/>
+              <a:gd name="connsiteY1" fmla="*/ 0 h 1390317"/>
+              <a:gd name="connsiteX2" fmla="*/ 5467683 w 5467683"/>
+              <a:gd name="connsiteY2" fmla="*/ 1390317 h 1390317"/>
+              <a:gd name="connsiteX3" fmla="*/ 0 w 5467683"/>
+              <a:gd name="connsiteY3" fmla="*/ 1390317 h 1390317"/>
+              <a:gd name="connsiteX0" fmla="*/ 0 w 5559123"/>
+              <a:gd name="connsiteY0" fmla="*/ 1390317 h 1481757"/>
+              <a:gd name="connsiteX1" fmla="*/ 2733842 w 5559123"/>
+              <a:gd name="connsiteY1" fmla="*/ 0 h 1481757"/>
+              <a:gd name="connsiteX2" fmla="*/ 5559123 w 5559123"/>
+              <a:gd name="connsiteY2" fmla="*/ 1481757 h 1481757"/>
+            </a:gdLst>
+            <a:ahLst/>
+            <a:cxnLst>
+              <a:cxn ang="0">
+                <a:pos x="connsiteX0" y="connsiteY0"/>
+              </a:cxn>
+              <a:cxn ang="0">
+                <a:pos x="connsiteX1" y="connsiteY1"/>
+              </a:cxn>
+              <a:cxn ang="0">
+                <a:pos x="connsiteX2" y="connsiteY2"/>
+              </a:cxn>
+            </a:cxnLst>
+            <a:rect l="l" t="t" r="r" b="b"/>
+            <a:pathLst>
+              <a:path w="5559123" h="1481757">
+                <a:moveTo>
+                  <a:pt x="0" y="1390317"/>
+                </a:moveTo>
+                <a:cubicBezTo>
+                  <a:pt x="1843728" y="971439"/>
+                  <a:pt x="1822562" y="0"/>
+                  <a:pt x="2733842" y="0"/>
+                </a:cubicBezTo>
+                <a:cubicBezTo>
+                  <a:pt x="3645122" y="0"/>
+                  <a:pt x="3664060" y="958071"/>
+                  <a:pt x="5559123" y="1481757"/>
+                </a:cubicBezTo>
+              </a:path>
+            </a:pathLst>
+          </a:custGeom>
+          <a:noFill/>
+          <a:ln w="76200" cmpd="sng">
+            <a:gradFill flip="none" rotWithShape="1">
+              <a:gsLst>
+                <a:gs pos="75000">
+                  <a:schemeClr val="bg1">
+                    <a:lumMod val="50000"/>
+                  </a:schemeClr>
+                </a:gs>
+                <a:gs pos="100000">
+                  <a:prstClr val="white"/>
+                </a:gs>
+              </a:gsLst>
+              <a:path path="shape">
+                <a:fillToRect l="50000" t="50000" r="50000" b="50000"/>
+              </a:path>
+              <a:tileRect/>
+            </a:gradFill>
+          </a:ln>
+          <a:effectLst/>
+        </p:spPr>
+        <p:style>
+          <a:lnRef idx="1">
+            <a:schemeClr val="accent1"/>
+          </a:lnRef>
+          <a:fillRef idx="3">
+            <a:schemeClr val="accent1"/>
+          </a:fillRef>
+          <a:effectRef idx="2">
+            <a:schemeClr val="accent1"/>
+          </a:effectRef>
+          <a:fontRef idx="minor">
+            <a:schemeClr val="lt1"/>
+          </a:fontRef>
+        </p:style>
+        <p:txBody>
+          <a:bodyPr rtlCol="0" anchor="ctr"/>
+          <a:lstStyle/>
+          <a:p>
+            <a:pPr algn="ctr"/>
+            <a:endParaRPr lang="en-US" dirty="0">
+              <a:solidFill>
+                <a:srgbClr val="7F7F7F"/>
+              </a:solidFill>
+            </a:endParaRPr>
+          </a:p>
+        </p:txBody>
+      </p:sp>
+      <p:cxnSp>
+        <p:nvCxnSpPr>
+          <p:cNvPr id="5" name="Straight Arrow Connector 4"/>
+          <p:cNvCxnSpPr/>
+          <p:nvPr/>
+        </p:nvCxnSpPr>
+        <p:spPr>
+          <a:xfrm flipV="1">
+            <a:off x="3898900" y="3460099"/>
+            <a:ext cx="0" cy="762000"/>
+          </a:xfrm>
+          <a:prstGeom prst="straightConnector1">
+            <a:avLst/>
+          </a:prstGeom>
+          <a:ln w="57150" cmpd="sng">
+            <a:solidFill>
+              <a:schemeClr val="tx1"/>
+            </a:solidFill>
+            <a:tailEnd type="arrow"/>
+          </a:ln>
+          <a:effectLst/>
+        </p:spPr>
+        <p:style>
+          <a:lnRef idx="2">
+            <a:schemeClr val="accent1"/>
+          </a:lnRef>
+          <a:fillRef idx="0">
+            <a:schemeClr val="accent1"/>
+          </a:fillRef>
+          <a:effectRef idx="1">
+            <a:schemeClr val="accent1"/>
+          </a:effectRef>
+          <a:fontRef idx="minor">
+            <a:schemeClr val="tx1"/>
+          </a:fontRef>
+        </p:style>
+      </p:cxnSp>
+      <p:cxnSp>
+        <p:nvCxnSpPr>
+          <p:cNvPr id="12" name="Straight Arrow Connector 11"/>
+          <p:cNvCxnSpPr/>
+          <p:nvPr/>
+        </p:nvCxnSpPr>
         <p:spPr>
           <a:xfrm>
-            <a:off x="997521" y="687876"/>
-            <a:ext cx="3740361" cy="4018734"/>
-          </a:xfrm>
-          <a:prstGeom prst="rect">
-            <a:avLst/>
-          </a:prstGeom>
-          <a:ln w="28575" cmpd="sng">
+            <a:off x="3898900" y="3053699"/>
+            <a:ext cx="647700" cy="273701"/>
+          </a:xfrm>
+          <a:prstGeom prst="straightConnector1">
+            <a:avLst/>
+          </a:prstGeom>
+          <a:ln w="57150" cmpd="sng">
             <a:solidFill>
-              <a:srgbClr val="000000"/>
+              <a:schemeClr val="tx1"/>
             </a:solidFill>
+            <a:tailEnd type="arrow"/>
           </a:ln>
-        </p:spPr>
-      </p:pic>
+          <a:effectLst/>
+        </p:spPr>
+        <p:style>
+          <a:lnRef idx="2">
+            <a:schemeClr val="accent1"/>
+          </a:lnRef>
+          <a:fillRef idx="0">
+            <a:schemeClr val="accent1"/>
+          </a:fillRef>
+          <a:effectRef idx="1">
+            <a:schemeClr val="accent1"/>
+          </a:effectRef>
+          <a:fontRef idx="minor">
+            <a:schemeClr val="tx1"/>
+          </a:fontRef>
+        </p:style>
+      </p:cxnSp>
     </p:spTree>
     <p:extLst>
       <p:ext uri="{BB962C8B-B14F-4D97-AF65-F5344CB8AC3E}">
-        <p14:creationId xmlns:p14="http://schemas.microsoft.com/office/powerpoint/2010/main" val="4011871751"/>
+        <p14:creationId xmlns:p14="http://schemas.microsoft.com/office/powerpoint/2010/main" val="1485381311"/>
       </p:ext>
     </p:extLst>
   </p:cSld>
   <p:clrMapOvr>
     <a:masterClrMapping/>
   </p:clrMapOvr>
+  <p:timing>
+    <p:tnLst>
+      <p:par>
+        <p:cTn xmlns:p14="http://schemas.microsoft.com/office/powerpoint/2010/main" id="1" dur="indefinite" restart="never" nodeType="tmRoot"/>
+      </p:par>
+    </p:tnLst>
+  </p:timing>
 </p:sld>
 </file>
 
